--- a/Documents/เล่ม/poster.pptx
+++ b/Documents/เล่ม/poster.pptx
@@ -2,7 +2,7 @@
 <file path=ppt/presentation.xml><?xml version="1.0" encoding="utf-8"?>
 <p:presentation xmlns:a="http://schemas.openxmlformats.org/drawingml/2006/main" xmlns:r="http://schemas.openxmlformats.org/officeDocument/2006/relationships" xmlns:p="http://schemas.openxmlformats.org/presentationml/2006/main" saveSubsetFonts="1">
   <p:sldMasterIdLst>
-    <p:sldMasterId id="2147483672" r:id="rId1"/>
+    <p:sldMasterId id="2147483821" r:id="rId1"/>
   </p:sldMasterIdLst>
   <p:sldIdLst>
     <p:sldId id="256" r:id="rId2"/>
@@ -104,12 +104,31 @@
       </a:defRPr>
     </a:lvl9pPr>
   </p:defaultTextStyle>
+  <p:extLst>
+    <p:ext uri="{521415D9-36F7-43E2-AB2F-B90AF26B5E84}">
+      <p14:sectionLst xmlns:p14="http://schemas.microsoft.com/office/powerpoint/2010/main">
+        <p14:section name="(ส่วนที่ไม่มีชื่อ)" id="{803EE486-406E-4904-ADD9-DF3AEDFA21DA}">
+          <p14:sldIdLst>
+            <p14:sldId id="256"/>
+          </p14:sldIdLst>
+        </p14:section>
+      </p14:sectionLst>
+    </p:ext>
+    <p:ext uri="{EFAFB233-063F-42B5-8137-9DF3F51BA10A}">
+      <p15:sldGuideLst xmlns:p15="http://schemas.microsoft.com/office/powerpoint/2012/main"/>
+    </p:ext>
+  </p:extLst>
 </p:presentation>
 </file>
 
 <file path=ppt/slideLayouts/slideLayout1.xml><?xml version="1.0" encoding="utf-8"?>
-<p:sldLayout xmlns:a="http://schemas.openxmlformats.org/drawingml/2006/main" xmlns:r="http://schemas.openxmlformats.org/officeDocument/2006/relationships" xmlns:p="http://schemas.openxmlformats.org/presentationml/2006/main" type="title" preserve="1">
+<p:sldLayout xmlns:a="http://schemas.openxmlformats.org/drawingml/2006/main" xmlns:r="http://schemas.openxmlformats.org/officeDocument/2006/relationships" xmlns:p="http://schemas.openxmlformats.org/presentationml/2006/main" showMasterSp="0" type="title" preserve="1">
   <p:cSld name="สไลด์ชื่อเรื่อง">
+    <p:bg>
+      <p:bgRef idx="1002">
+        <a:schemeClr val="bg2"/>
+      </p:bgRef>
+    </p:bg>
     <p:spTree>
       <p:nvGrpSpPr>
         <p:cNvPr id="1" name=""/>
@@ -126,25 +145,68 @@
       </p:grpSpPr>
       <p:sp>
         <p:nvSpPr>
-          <p:cNvPr id="2" name="Title 1"/>
-          <p:cNvSpPr>
-            <a:spLocks noGrp="1"/>
-          </p:cNvSpPr>
-          <p:nvPr>
-            <p:ph type="ctrTitle"/>
-          </p:nvPr>
+          <p:cNvPr id="7" name="Rectangle 6"/>
+          <p:cNvSpPr/>
+          <p:nvPr/>
         </p:nvSpPr>
         <p:spPr>
           <a:xfrm>
-            <a:off x="514350" y="1621191"/>
-            <a:ext cx="5829300" cy="3448756"/>
+            <a:off x="-3849" y="2974128"/>
+            <a:ext cx="6860063" cy="2641600"/>
+          </a:xfrm>
+          <a:prstGeom prst="rect">
+            <a:avLst/>
+          </a:prstGeom>
+          <a:solidFill>
+            <a:schemeClr val="tx1"/>
+          </a:solidFill>
+          <a:ln>
+            <a:noFill/>
+          </a:ln>
+        </p:spPr>
+        <p:style>
+          <a:lnRef idx="2">
+            <a:schemeClr val="accent1">
+              <a:shade val="50000"/>
+            </a:schemeClr>
+          </a:lnRef>
+          <a:fillRef idx="1">
+            <a:schemeClr val="accent1"/>
+          </a:fillRef>
+          <a:effectRef idx="0">
+            <a:schemeClr val="accent1"/>
+          </a:effectRef>
+          <a:fontRef idx="minor">
+            <a:schemeClr val="lt1"/>
+          </a:fontRef>
+        </p:style>
+      </p:sp>
+      <p:sp>
+        <p:nvSpPr>
+          <p:cNvPr id="2" name="Title 1"/>
+          <p:cNvSpPr>
+            <a:spLocks noGrp="1"/>
+          </p:cNvSpPr>
+          <p:nvPr>
+            <p:ph type="ctrTitle"/>
+          </p:nvPr>
+        </p:nvSpPr>
+        <p:spPr>
+          <a:xfrm>
+            <a:off x="205739" y="3129195"/>
+            <a:ext cx="6452756" cy="2512390"/>
           </a:xfrm>
         </p:spPr>
         <p:txBody>
-          <a:bodyPr anchor="b"/>
+          <a:bodyPr tIns="45720" bIns="45720" anchor="ctr">
+            <a:normAutofit/>
+          </a:bodyPr>
           <a:lstStyle>
             <a:lvl1pPr algn="ctr">
-              <a:defRPr sz="4500"/>
+              <a:lnSpc>
+                <a:spcPct val="80000"/>
+              </a:lnSpc>
+              <a:defRPr sz="4500" spc="0" baseline="0"/>
             </a:lvl1pPr>
           </a:lstStyle>
           <a:p>
@@ -168,16 +230,18 @@
         </p:nvSpPr>
         <p:spPr>
           <a:xfrm>
-            <a:off x="857250" y="5202944"/>
-            <a:ext cx="5143500" cy="2391656"/>
+            <a:off x="857250" y="5766347"/>
+            <a:ext cx="5143500" cy="1891146"/>
           </a:xfrm>
         </p:spPr>
         <p:txBody>
-          <a:bodyPr/>
+          <a:bodyPr>
+            <a:normAutofit/>
+          </a:bodyPr>
           <a:lstStyle>
             <a:lvl1pPr marL="0" indent="0" algn="ctr">
               <a:buNone/>
-              <a:defRPr sz="1800"/>
+              <a:defRPr sz="1500"/>
             </a:lvl1pPr>
             <a:lvl2pPr marL="342900" indent="0" algn="ctr">
               <a:buNone/>
@@ -185,31 +249,31 @@
             </a:lvl2pPr>
             <a:lvl3pPr marL="685800" indent="0" algn="ctr">
               <a:buNone/>
-              <a:defRPr sz="1350"/>
+              <a:defRPr sz="1500"/>
             </a:lvl3pPr>
             <a:lvl4pPr marL="1028700" indent="0" algn="ctr">
               <a:buNone/>
-              <a:defRPr sz="1200"/>
+              <a:defRPr sz="1500"/>
             </a:lvl4pPr>
             <a:lvl5pPr marL="1371600" indent="0" algn="ctr">
               <a:buNone/>
-              <a:defRPr sz="1200"/>
+              <a:defRPr sz="1500"/>
             </a:lvl5pPr>
             <a:lvl6pPr marL="1714500" indent="0" algn="ctr">
               <a:buNone/>
-              <a:defRPr sz="1200"/>
+              <a:defRPr sz="1500"/>
             </a:lvl6pPr>
             <a:lvl7pPr marL="2057400" indent="0" algn="ctr">
               <a:buNone/>
-              <a:defRPr sz="1200"/>
+              <a:defRPr sz="1500"/>
             </a:lvl7pPr>
             <a:lvl8pPr marL="2400300" indent="0" algn="ctr">
               <a:buNone/>
-              <a:defRPr sz="1200"/>
+              <a:defRPr sz="1500"/>
             </a:lvl8pPr>
             <a:lvl9pPr marL="2743200" indent="0" algn="ctr">
               <a:buNone/>
-              <a:defRPr sz="1200"/>
+              <a:defRPr sz="1500"/>
             </a:lvl9pPr>
           </a:lstStyle>
           <a:p>
@@ -238,7 +302,7 @@
           <a:p>
             <a:fld id="{2BFD7A69-6CA7-41AF-9AEB-7368F5690727}" type="datetimeFigureOut">
               <a:rPr lang="th-TH" smtClean="0"/>
-              <a:t>23/12/63</a:t>
+              <a:t>27/03/64</a:t>
             </a:fld>
             <a:endParaRPr lang="th-TH"/>
           </a:p>
@@ -289,12 +353,12 @@
     </p:spTree>
     <p:extLst>
       <p:ext uri="{BB962C8B-B14F-4D97-AF65-F5344CB8AC3E}">
-        <p14:creationId xmlns:p14="http://schemas.microsoft.com/office/powerpoint/2010/main" val="1320159357"/>
+        <p14:creationId xmlns:p14="http://schemas.microsoft.com/office/powerpoint/2010/main" val="2680092140"/>
       </p:ext>
     </p:extLst>
   </p:cSld>
   <p:clrMapOvr>
-    <a:masterClrMapping/>
+    <a:overrideClrMapping bg1="dk1" tx1="lt1" bg2="dk2" tx2="lt2" accent1="accent1" accent2="accent2" accent3="accent3" accent4="accent4" accent5="accent5" accent6="accent6" hlink="hlink" folHlink="folHlink"/>
   </p:clrMapOvr>
 </p:sldLayout>
 </file>
@@ -408,7 +472,7 @@
           <a:p>
             <a:fld id="{2BFD7A69-6CA7-41AF-9AEB-7368F5690727}" type="datetimeFigureOut">
               <a:rPr lang="th-TH" smtClean="0"/>
-              <a:t>23/12/63</a:t>
+              <a:t>27/03/64</a:t>
             </a:fld>
             <a:endParaRPr lang="th-TH"/>
           </a:p>
@@ -459,7 +523,7 @@
     </p:spTree>
     <p:extLst>
       <p:ext uri="{BB962C8B-B14F-4D97-AF65-F5344CB8AC3E}">
-        <p14:creationId xmlns:p14="http://schemas.microsoft.com/office/powerpoint/2010/main" val="1571951846"/>
+        <p14:creationId xmlns:p14="http://schemas.microsoft.com/office/powerpoint/2010/main" val="565008674"/>
       </p:ext>
     </p:extLst>
   </p:cSld>
@@ -470,7 +534,7 @@
 </file>
 
 <file path=ppt/slideLayouts/slideLayout11.xml><?xml version="1.0" encoding="utf-8"?>
-<p:sldLayout xmlns:a="http://schemas.openxmlformats.org/drawingml/2006/main" xmlns:r="http://schemas.openxmlformats.org/officeDocument/2006/relationships" xmlns:p="http://schemas.openxmlformats.org/presentationml/2006/main" type="vertTitleAndTx" preserve="1">
+<p:sldLayout xmlns:a="http://schemas.openxmlformats.org/drawingml/2006/main" xmlns:r="http://schemas.openxmlformats.org/officeDocument/2006/relationships" xmlns:p="http://schemas.openxmlformats.org/presentationml/2006/main" showMasterSp="0" type="vertTitleAndTx" preserve="1">
   <p:cSld name="ข้อความและชื่อเรื่องแนวตั้ง">
     <p:spTree>
       <p:nvGrpSpPr>
@@ -488,18 +552,56 @@
       </p:grpSpPr>
       <p:sp>
         <p:nvSpPr>
-          <p:cNvPr id="2" name="Vertical Title 1"/>
-          <p:cNvSpPr>
-            <a:spLocks noGrp="1"/>
-          </p:cNvSpPr>
-          <p:nvPr>
-            <p:ph type="title" orient="vert"/>
-          </p:nvPr>
+          <p:cNvPr id="7" name="Rectangle 6"/>
+          <p:cNvSpPr/>
+          <p:nvPr/>
         </p:nvSpPr>
         <p:spPr>
           <a:xfrm>
-            <a:off x="4907757" y="527403"/>
-            <a:ext cx="1478756" cy="8394877"/>
+            <a:off x="5073363" y="0"/>
+            <a:ext cx="1543050" cy="9906000"/>
+          </a:xfrm>
+          <a:prstGeom prst="rect">
+            <a:avLst/>
+          </a:prstGeom>
+          <a:solidFill>
+            <a:schemeClr val="tx1"/>
+          </a:solidFill>
+          <a:ln>
+            <a:noFill/>
+          </a:ln>
+        </p:spPr>
+        <p:style>
+          <a:lnRef idx="2">
+            <a:schemeClr val="accent1">
+              <a:shade val="50000"/>
+            </a:schemeClr>
+          </a:lnRef>
+          <a:fillRef idx="1">
+            <a:schemeClr val="accent1"/>
+          </a:fillRef>
+          <a:effectRef idx="0">
+            <a:schemeClr val="accent1"/>
+          </a:effectRef>
+          <a:fontRef idx="minor">
+            <a:schemeClr val="lt1"/>
+          </a:fontRef>
+        </p:style>
+      </p:sp>
+      <p:sp>
+        <p:nvSpPr>
+          <p:cNvPr id="2" name="Vertical Title 1"/>
+          <p:cNvSpPr>
+            <a:spLocks noGrp="1"/>
+          </p:cNvSpPr>
+          <p:nvPr>
+            <p:ph type="title" orient="vert"/>
+          </p:nvPr>
+        </p:nvSpPr>
+        <p:spPr>
+          <a:xfrm>
+            <a:off x="5152851" y="880534"/>
+            <a:ext cx="1351339" cy="8144933"/>
           </a:xfrm>
         </p:spPr>
         <p:txBody>
@@ -526,8 +628,8 @@
         </p:nvSpPr>
         <p:spPr>
           <a:xfrm>
-            <a:off x="471488" y="527403"/>
-            <a:ext cx="4350544" cy="8394877"/>
+            <a:off x="471488" y="880534"/>
+            <a:ext cx="4484976" cy="8144933"/>
           </a:xfrm>
         </p:spPr>
         <p:txBody>
@@ -581,14 +683,19 @@
             <p:ph type="dt" sz="half" idx="10"/>
           </p:nvPr>
         </p:nvSpPr>
-        <p:spPr/>
+        <p:spPr>
+          <a:xfrm>
+            <a:off x="471488" y="9277458"/>
+            <a:ext cx="1543048" cy="527403"/>
+          </a:xfrm>
+        </p:spPr>
         <p:txBody>
           <a:bodyPr/>
           <a:lstStyle/>
           <a:p>
             <a:fld id="{2BFD7A69-6CA7-41AF-9AEB-7368F5690727}" type="datetimeFigureOut">
               <a:rPr lang="th-TH" smtClean="0"/>
-              <a:t>23/12/63</a:t>
+              <a:t>27/03/64</a:t>
             </a:fld>
             <a:endParaRPr lang="th-TH"/>
           </a:p>
@@ -604,7 +711,12 @@
             <p:ph type="ftr" sz="quarter" idx="11"/>
           </p:nvPr>
         </p:nvSpPr>
-        <p:spPr/>
+        <p:spPr>
+          <a:xfrm>
+            <a:off x="2124077" y="9277458"/>
+            <a:ext cx="2407314" cy="527403"/>
+          </a:xfrm>
+        </p:spPr>
         <p:txBody>
           <a:bodyPr/>
           <a:lstStyle/>
@@ -623,7 +735,12 @@
             <p:ph type="sldNum" sz="quarter" idx="12"/>
           </p:nvPr>
         </p:nvSpPr>
-        <p:spPr/>
+        <p:spPr>
+          <a:xfrm>
+            <a:off x="4541091" y="9277458"/>
+            <a:ext cx="494864" cy="527403"/>
+          </a:xfrm>
+        </p:spPr>
         <p:txBody>
           <a:bodyPr/>
           <a:lstStyle/>
@@ -639,7 +756,7 @@
     </p:spTree>
     <p:extLst>
       <p:ext uri="{BB962C8B-B14F-4D97-AF65-F5344CB8AC3E}">
-        <p14:creationId xmlns:p14="http://schemas.microsoft.com/office/powerpoint/2010/main" val="3894045798"/>
+        <p14:creationId xmlns:p14="http://schemas.microsoft.com/office/powerpoint/2010/main" val="937013472"/>
       </p:ext>
     </p:extLst>
   </p:cSld>
@@ -758,7 +875,7 @@
           <a:p>
             <a:fld id="{2BFD7A69-6CA7-41AF-9AEB-7368F5690727}" type="datetimeFigureOut">
               <a:rPr lang="th-TH" smtClean="0"/>
-              <a:t>23/12/63</a:t>
+              <a:t>27/03/64</a:t>
             </a:fld>
             <a:endParaRPr lang="th-TH"/>
           </a:p>
@@ -809,7 +926,7 @@
     </p:spTree>
     <p:extLst>
       <p:ext uri="{BB962C8B-B14F-4D97-AF65-F5344CB8AC3E}">
-        <p14:creationId xmlns:p14="http://schemas.microsoft.com/office/powerpoint/2010/main" val="3657651783"/>
+        <p14:creationId xmlns:p14="http://schemas.microsoft.com/office/powerpoint/2010/main" val="380956769"/>
       </p:ext>
     </p:extLst>
   </p:cSld>
@@ -820,8 +937,13 @@
 </file>
 
 <file path=ppt/slideLayouts/slideLayout3.xml><?xml version="1.0" encoding="utf-8"?>
-<p:sldLayout xmlns:a="http://schemas.openxmlformats.org/drawingml/2006/main" xmlns:r="http://schemas.openxmlformats.org/officeDocument/2006/relationships" xmlns:p="http://schemas.openxmlformats.org/presentationml/2006/main" type="secHead" preserve="1">
+<p:sldLayout xmlns:a="http://schemas.openxmlformats.org/drawingml/2006/main" xmlns:r="http://schemas.openxmlformats.org/officeDocument/2006/relationships" xmlns:p="http://schemas.openxmlformats.org/presentationml/2006/main" showMasterSp="0" type="secHead" preserve="1">
   <p:cSld name="ส่วนหัวของส่วน">
+    <p:bg>
+      <p:bgRef idx="1002">
+        <a:schemeClr val="bg2"/>
+      </p:bgRef>
+    </p:bg>
     <p:spTree>
       <p:nvGrpSpPr>
         <p:cNvPr id="1" name=""/>
@@ -838,25 +960,72 @@
       </p:grpSpPr>
       <p:sp>
         <p:nvSpPr>
-          <p:cNvPr id="2" name="Title 1"/>
-          <p:cNvSpPr>
-            <a:spLocks noGrp="1"/>
-          </p:cNvSpPr>
-          <p:nvPr>
-            <p:ph type="title"/>
-          </p:nvPr>
+          <p:cNvPr id="7" name="Rectangle 6"/>
+          <p:cNvSpPr/>
+          <p:nvPr/>
         </p:nvSpPr>
         <p:spPr>
           <a:xfrm>
-            <a:off x="467916" y="2469624"/>
-            <a:ext cx="5915025" cy="4120620"/>
+            <a:off x="-3849" y="2974128"/>
+            <a:ext cx="6860063" cy="2641600"/>
+          </a:xfrm>
+          <a:prstGeom prst="rect">
+            <a:avLst/>
+          </a:prstGeom>
+          <a:solidFill>
+            <a:schemeClr val="tx2"/>
+          </a:solidFill>
+          <a:ln>
+            <a:noFill/>
+          </a:ln>
+        </p:spPr>
+        <p:style>
+          <a:lnRef idx="2">
+            <a:schemeClr val="accent1">
+              <a:shade val="50000"/>
+            </a:schemeClr>
+          </a:lnRef>
+          <a:fillRef idx="1">
+            <a:schemeClr val="accent1"/>
+          </a:fillRef>
+          <a:effectRef idx="0">
+            <a:schemeClr val="accent1"/>
+          </a:effectRef>
+          <a:fontRef idx="minor">
+            <a:schemeClr val="lt1"/>
+          </a:fontRef>
+        </p:style>
+      </p:sp>
+      <p:sp>
+        <p:nvSpPr>
+          <p:cNvPr id="2" name="Title 1"/>
+          <p:cNvSpPr>
+            <a:spLocks noGrp="1"/>
+          </p:cNvSpPr>
+          <p:nvPr>
+            <p:ph type="title"/>
+          </p:nvPr>
+        </p:nvSpPr>
+        <p:spPr>
+          <a:xfrm>
+            <a:off x="468670" y="3190603"/>
+            <a:ext cx="5915025" cy="2421467"/>
           </a:xfrm>
         </p:spPr>
         <p:txBody>
-          <a:bodyPr anchor="b"/>
+          <a:bodyPr anchor="ctr">
+            <a:noAutofit/>
+          </a:bodyPr>
           <a:lstStyle>
-            <a:lvl1pPr>
-              <a:defRPr sz="4500"/>
+            <a:lvl1pPr algn="ctr">
+              <a:lnSpc>
+                <a:spcPct val="80000"/>
+              </a:lnSpc>
+              <a:defRPr sz="4500" b="0" spc="0" baseline="0">
+                <a:solidFill>
+                  <a:schemeClr val="bg1"/>
+                </a:solidFill>
+              </a:defRPr>
             </a:lvl1pPr>
           </a:lstStyle>
           <a:p>
@@ -880,24 +1049,26 @@
         </p:nvSpPr>
         <p:spPr>
           <a:xfrm>
-            <a:off x="467916" y="6629226"/>
-            <a:ext cx="5915025" cy="2166937"/>
+            <a:off x="468670" y="5786692"/>
+            <a:ext cx="5915025" cy="1696701"/>
           </a:xfrm>
         </p:spPr>
         <p:txBody>
-          <a:bodyPr/>
+          <a:bodyPr anchor="t">
+            <a:normAutofit/>
+          </a:bodyPr>
           <a:lstStyle>
-            <a:lvl1pPr marL="0" indent="0">
-              <a:buNone/>
-              <a:defRPr sz="1800">
-                <a:solidFill>
-                  <a:schemeClr val="tx1"/>
+            <a:lvl1pPr marL="0" indent="0" algn="ctr">
+              <a:buNone/>
+              <a:defRPr sz="1500">
+                <a:solidFill>
+                  <a:schemeClr val="tx2"/>
                 </a:solidFill>
               </a:defRPr>
             </a:lvl1pPr>
             <a:lvl2pPr marL="342900" indent="0">
               <a:buNone/>
-              <a:defRPr sz="1500">
+              <a:defRPr sz="1350">
                 <a:solidFill>
                   <a:schemeClr val="tx1">
                     <a:tint val="75000"/>
@@ -907,7 +1078,7 @@
             </a:lvl2pPr>
             <a:lvl3pPr marL="685800" indent="0">
               <a:buNone/>
-              <a:defRPr sz="1350">
+              <a:defRPr sz="1200">
                 <a:solidFill>
                   <a:schemeClr val="tx1">
                     <a:tint val="75000"/>
@@ -917,7 +1088,7 @@
             </a:lvl3pPr>
             <a:lvl4pPr marL="1028700" indent="0">
               <a:buNone/>
-              <a:defRPr sz="1200">
+              <a:defRPr sz="1050">
                 <a:solidFill>
                   <a:schemeClr val="tx1">
                     <a:tint val="75000"/>
@@ -927,7 +1098,7 @@
             </a:lvl4pPr>
             <a:lvl5pPr marL="1371600" indent="0">
               <a:buNone/>
-              <a:defRPr sz="1200">
+              <a:defRPr sz="1050">
                 <a:solidFill>
                   <a:schemeClr val="tx1">
                     <a:tint val="75000"/>
@@ -937,7 +1108,7 @@
             </a:lvl5pPr>
             <a:lvl6pPr marL="1714500" indent="0">
               <a:buNone/>
-              <a:defRPr sz="1200">
+              <a:defRPr sz="1050">
                 <a:solidFill>
                   <a:schemeClr val="tx1">
                     <a:tint val="75000"/>
@@ -947,7 +1118,7 @@
             </a:lvl6pPr>
             <a:lvl7pPr marL="2057400" indent="0">
               <a:buNone/>
-              <a:defRPr sz="1200">
+              <a:defRPr sz="1050">
                 <a:solidFill>
                   <a:schemeClr val="tx1">
                     <a:tint val="75000"/>
@@ -957,7 +1128,7 @@
             </a:lvl7pPr>
             <a:lvl8pPr marL="2400300" indent="0">
               <a:buNone/>
-              <a:defRPr sz="1200">
+              <a:defRPr sz="1050">
                 <a:solidFill>
                   <a:schemeClr val="tx1">
                     <a:tint val="75000"/>
@@ -967,7 +1138,7 @@
             </a:lvl8pPr>
             <a:lvl9pPr marL="2743200" indent="0">
               <a:buNone/>
-              <a:defRPr sz="1200">
+              <a:defRPr sz="1050">
                 <a:solidFill>
                   <a:schemeClr val="tx1">
                     <a:tint val="75000"/>
@@ -998,11 +1169,19 @@
         <p:spPr/>
         <p:txBody>
           <a:bodyPr/>
-          <a:lstStyle/>
+          <a:lstStyle>
+            <a:lvl1pPr>
+              <a:defRPr>
+                <a:solidFill>
+                  <a:schemeClr val="tx2"/>
+                </a:solidFill>
+              </a:defRPr>
+            </a:lvl1pPr>
+          </a:lstStyle>
           <a:p>
             <a:fld id="{2BFD7A69-6CA7-41AF-9AEB-7368F5690727}" type="datetimeFigureOut">
               <a:rPr lang="th-TH" smtClean="0"/>
-              <a:t>23/12/63</a:t>
+              <a:t>27/03/64</a:t>
             </a:fld>
             <a:endParaRPr lang="th-TH"/>
           </a:p>
@@ -1021,7 +1200,15 @@
         <p:spPr/>
         <p:txBody>
           <a:bodyPr/>
-          <a:lstStyle/>
+          <a:lstStyle>
+            <a:lvl1pPr>
+              <a:defRPr>
+                <a:solidFill>
+                  <a:schemeClr val="tx2"/>
+                </a:solidFill>
+              </a:defRPr>
+            </a:lvl1pPr>
+          </a:lstStyle>
           <a:p>
             <a:endParaRPr lang="th-TH"/>
           </a:p>
@@ -1040,7 +1227,15 @@
         <p:spPr/>
         <p:txBody>
           <a:bodyPr/>
-          <a:lstStyle/>
+          <a:lstStyle>
+            <a:lvl1pPr>
+              <a:defRPr>
+                <a:solidFill>
+                  <a:schemeClr val="tx2"/>
+                </a:solidFill>
+              </a:defRPr>
+            </a:lvl1pPr>
+          </a:lstStyle>
           <a:p>
             <a:fld id="{F93AC8F4-1E85-47C7-864E-F7FE31F789A6}" type="slidenum">
               <a:rPr lang="th-TH" smtClean="0"/>
@@ -1053,12 +1248,12 @@
     </p:spTree>
     <p:extLst>
       <p:ext uri="{BB962C8B-B14F-4D97-AF65-F5344CB8AC3E}">
-        <p14:creationId xmlns:p14="http://schemas.microsoft.com/office/powerpoint/2010/main" val="1139270793"/>
+        <p14:creationId xmlns:p14="http://schemas.microsoft.com/office/powerpoint/2010/main" val="2936001583"/>
       </p:ext>
     </p:extLst>
   </p:cSld>
   <p:clrMapOvr>
-    <a:masterClrMapping/>
+    <a:overrideClrMapping bg1="lt1" tx1="dk1" bg2="lt2" tx2="dk2" accent1="accent1" accent2="accent2" accent3="accent3" accent4="accent4" accent5="accent5" accent6="accent6" hlink="hlink" folHlink="folHlink"/>
   </p:clrMapOvr>
 </p:sldLayout>
 </file>
@@ -1082,7 +1277,7 @@
       </p:grpSpPr>
       <p:sp>
         <p:nvSpPr>
-          <p:cNvPr id="2" name="Title 1"/>
+          <p:cNvPr id="8" name="Title 7"/>
           <p:cNvSpPr>
             <a:spLocks noGrp="1"/>
           </p:cNvSpPr>
@@ -1115,13 +1310,41 @@
         </p:nvSpPr>
         <p:spPr>
           <a:xfrm>
-            <a:off x="471488" y="2637014"/>
-            <a:ext cx="2914650" cy="6285266"/>
+            <a:off x="514348" y="2905760"/>
+            <a:ext cx="2743200" cy="6075680"/>
           </a:xfrm>
         </p:spPr>
         <p:txBody>
           <a:bodyPr/>
-          <a:lstStyle/>
+          <a:lstStyle>
+            <a:lvl1pPr>
+              <a:defRPr sz="1650"/>
+            </a:lvl1pPr>
+            <a:lvl2pPr>
+              <a:defRPr sz="1500"/>
+            </a:lvl2pPr>
+            <a:lvl3pPr>
+              <a:defRPr sz="1350"/>
+            </a:lvl3pPr>
+            <a:lvl4pPr>
+              <a:defRPr sz="1200"/>
+            </a:lvl4pPr>
+            <a:lvl5pPr>
+              <a:defRPr sz="1200"/>
+            </a:lvl5pPr>
+            <a:lvl6pPr>
+              <a:defRPr sz="1200"/>
+            </a:lvl6pPr>
+            <a:lvl7pPr>
+              <a:defRPr sz="1200"/>
+            </a:lvl7pPr>
+            <a:lvl8pPr>
+              <a:defRPr sz="1200"/>
+            </a:lvl8pPr>
+            <a:lvl9pPr>
+              <a:defRPr sz="1200"/>
+            </a:lvl9pPr>
+          </a:lstStyle>
           <a:p>
             <a:pPr lvl="0"/>
             <a:r>
@@ -1172,13 +1395,41 @@
         </p:nvSpPr>
         <p:spPr>
           <a:xfrm>
-            <a:off x="3471863" y="2637014"/>
-            <a:ext cx="2914650" cy="6285266"/>
+            <a:off x="3600450" y="2905760"/>
+            <a:ext cx="2743200" cy="6075680"/>
           </a:xfrm>
         </p:spPr>
         <p:txBody>
           <a:bodyPr/>
-          <a:lstStyle/>
+          <a:lstStyle>
+            <a:lvl1pPr>
+              <a:defRPr sz="1650"/>
+            </a:lvl1pPr>
+            <a:lvl2pPr>
+              <a:defRPr sz="1500"/>
+            </a:lvl2pPr>
+            <a:lvl3pPr>
+              <a:defRPr sz="1350"/>
+            </a:lvl3pPr>
+            <a:lvl4pPr>
+              <a:defRPr sz="1200"/>
+            </a:lvl4pPr>
+            <a:lvl5pPr>
+              <a:defRPr sz="1200"/>
+            </a:lvl5pPr>
+            <a:lvl6pPr>
+              <a:defRPr sz="1200"/>
+            </a:lvl6pPr>
+            <a:lvl7pPr>
+              <a:defRPr sz="1200"/>
+            </a:lvl7pPr>
+            <a:lvl8pPr>
+              <a:defRPr sz="1200"/>
+            </a:lvl8pPr>
+            <a:lvl9pPr>
+              <a:defRPr sz="1200"/>
+            </a:lvl9pPr>
+          </a:lstStyle>
           <a:p>
             <a:pPr lvl="0"/>
             <a:r>
@@ -1234,7 +1485,7 @@
           <a:p>
             <a:fld id="{2BFD7A69-6CA7-41AF-9AEB-7368F5690727}" type="datetimeFigureOut">
               <a:rPr lang="th-TH" smtClean="0"/>
-              <a:t>23/12/63</a:t>
+              <a:t>27/03/64</a:t>
             </a:fld>
             <a:endParaRPr lang="th-TH"/>
           </a:p>
@@ -1285,7 +1536,7 @@
     </p:spTree>
     <p:extLst>
       <p:ext uri="{BB962C8B-B14F-4D97-AF65-F5344CB8AC3E}">
-        <p14:creationId xmlns:p14="http://schemas.microsoft.com/office/powerpoint/2010/main" val="377706149"/>
+        <p14:creationId xmlns:p14="http://schemas.microsoft.com/office/powerpoint/2010/main" val="2682604860"/>
       </p:ext>
     </p:extLst>
   </p:cSld>
@@ -1314,54 +1565,51 @@
       </p:grpSpPr>
       <p:sp>
         <p:nvSpPr>
-          <p:cNvPr id="2" name="Title 1"/>
+          <p:cNvPr id="10" name="Title 9"/>
           <p:cNvSpPr>
             <a:spLocks noGrp="1"/>
           </p:cNvSpPr>
           <p:nvPr>
             <p:ph type="title"/>
+          </p:nvPr>
+        </p:nvSpPr>
+        <p:spPr/>
+        <p:txBody>
+          <a:bodyPr/>
+          <a:lstStyle/>
+          <a:p>
+            <a:r>
+              <a:rPr lang="th-TH"/>
+              <a:t>คลิกเพื่อแก้ไขสไตล์ชื่อเรื่องต้นแบบ</a:t>
+            </a:r>
+            <a:endParaRPr lang="en-US" dirty="0"/>
+          </a:p>
+        </p:txBody>
+      </p:sp>
+      <p:sp>
+        <p:nvSpPr>
+          <p:cNvPr id="3" name="Text Placeholder 2"/>
+          <p:cNvSpPr>
+            <a:spLocks noGrp="1"/>
+          </p:cNvSpPr>
+          <p:nvPr>
+            <p:ph type="body" idx="1"/>
           </p:nvPr>
         </p:nvSpPr>
         <p:spPr>
           <a:xfrm>
-            <a:off x="472381" y="527405"/>
-            <a:ext cx="5915025" cy="1914702"/>
+            <a:off x="514350" y="2763901"/>
+            <a:ext cx="2743200" cy="1073358"/>
           </a:xfrm>
         </p:spPr>
         <p:txBody>
-          <a:bodyPr/>
-          <a:lstStyle/>
-          <a:p>
-            <a:r>
-              <a:rPr lang="th-TH"/>
-              <a:t>คลิกเพื่อแก้ไขสไตล์ชื่อเรื่องต้นแบบ</a:t>
-            </a:r>
-            <a:endParaRPr lang="en-US" dirty="0"/>
-          </a:p>
-        </p:txBody>
-      </p:sp>
-      <p:sp>
-        <p:nvSpPr>
-          <p:cNvPr id="3" name="Text Placeholder 2"/>
-          <p:cNvSpPr>
-            <a:spLocks noGrp="1"/>
-          </p:cNvSpPr>
-          <p:nvPr>
-            <p:ph type="body" idx="1"/>
-          </p:nvPr>
-        </p:nvSpPr>
-        <p:spPr>
-          <a:xfrm>
-            <a:off x="472381" y="2428347"/>
-            <a:ext cx="2901255" cy="1190095"/>
-          </a:xfrm>
-        </p:spPr>
-        <p:txBody>
-          <a:bodyPr anchor="b"/>
+          <a:bodyPr anchor="ctr">
+            <a:normAutofit/>
+          </a:bodyPr>
           <a:lstStyle>
             <a:lvl1pPr marL="0" indent="0">
               <a:buNone/>
-              <a:defRPr sz="1800" b="1"/>
+              <a:defRPr sz="1500" b="1"/>
             </a:lvl1pPr>
             <a:lvl2pPr marL="342900" indent="0">
               <a:buNone/>
@@ -1417,13 +1665,41 @@
         </p:nvSpPr>
         <p:spPr>
           <a:xfrm>
-            <a:off x="472381" y="3618442"/>
-            <a:ext cx="2901255" cy="5322183"/>
+            <a:off x="514350" y="3837262"/>
+            <a:ext cx="2743200" cy="5151120"/>
           </a:xfrm>
         </p:spPr>
         <p:txBody>
           <a:bodyPr/>
-          <a:lstStyle/>
+          <a:lstStyle>
+            <a:lvl1pPr>
+              <a:defRPr sz="1650"/>
+            </a:lvl1pPr>
+            <a:lvl2pPr>
+              <a:defRPr sz="1500"/>
+            </a:lvl2pPr>
+            <a:lvl3pPr>
+              <a:defRPr sz="1350"/>
+            </a:lvl3pPr>
+            <a:lvl4pPr>
+              <a:defRPr sz="1200"/>
+            </a:lvl4pPr>
+            <a:lvl5pPr>
+              <a:defRPr sz="1200"/>
+            </a:lvl5pPr>
+            <a:lvl6pPr>
+              <a:defRPr sz="1200"/>
+            </a:lvl6pPr>
+            <a:lvl7pPr>
+              <a:defRPr sz="1200"/>
+            </a:lvl7pPr>
+            <a:lvl8pPr>
+              <a:defRPr sz="1200"/>
+            </a:lvl8pPr>
+            <a:lvl9pPr>
+              <a:defRPr sz="1200"/>
+            </a:lvl9pPr>
+          </a:lstStyle>
           <a:p>
             <a:pPr lvl="0"/>
             <a:r>
@@ -1474,16 +1750,18 @@
         </p:nvSpPr>
         <p:spPr>
           <a:xfrm>
-            <a:off x="3471863" y="2428347"/>
-            <a:ext cx="2915543" cy="1190095"/>
+            <a:off x="3600321" y="2763901"/>
+            <a:ext cx="2743200" cy="1073358"/>
           </a:xfrm>
         </p:spPr>
         <p:txBody>
-          <a:bodyPr anchor="b"/>
+          <a:bodyPr anchor="ctr">
+            <a:normAutofit/>
+          </a:bodyPr>
           <a:lstStyle>
             <a:lvl1pPr marL="0" indent="0">
               <a:buNone/>
-              <a:defRPr sz="1800" b="1"/>
+              <a:defRPr sz="1500" b="1"/>
             </a:lvl1pPr>
             <a:lvl2pPr marL="342900" indent="0">
               <a:buNone/>
@@ -1539,13 +1817,41 @@
         </p:nvSpPr>
         <p:spPr>
           <a:xfrm>
-            <a:off x="3471863" y="3618442"/>
-            <a:ext cx="2915543" cy="5322183"/>
+            <a:off x="3600321" y="3837259"/>
+            <a:ext cx="2743200" cy="5151120"/>
           </a:xfrm>
         </p:spPr>
         <p:txBody>
           <a:bodyPr/>
-          <a:lstStyle/>
+          <a:lstStyle>
+            <a:lvl1pPr>
+              <a:defRPr sz="1650"/>
+            </a:lvl1pPr>
+            <a:lvl2pPr>
+              <a:defRPr sz="1500"/>
+            </a:lvl2pPr>
+            <a:lvl3pPr>
+              <a:defRPr sz="1350"/>
+            </a:lvl3pPr>
+            <a:lvl4pPr>
+              <a:defRPr sz="1200"/>
+            </a:lvl4pPr>
+            <a:lvl5pPr>
+              <a:defRPr sz="1200"/>
+            </a:lvl5pPr>
+            <a:lvl6pPr>
+              <a:defRPr sz="1200"/>
+            </a:lvl6pPr>
+            <a:lvl7pPr>
+              <a:defRPr sz="1200"/>
+            </a:lvl7pPr>
+            <a:lvl8pPr>
+              <a:defRPr sz="1200"/>
+            </a:lvl8pPr>
+            <a:lvl9pPr>
+              <a:defRPr sz="1200"/>
+            </a:lvl9pPr>
+          </a:lstStyle>
           <a:p>
             <a:pPr lvl="0"/>
             <a:r>
@@ -1601,7 +1907,7 @@
           <a:p>
             <a:fld id="{2BFD7A69-6CA7-41AF-9AEB-7368F5690727}" type="datetimeFigureOut">
               <a:rPr lang="th-TH" smtClean="0"/>
-              <a:t>23/12/63</a:t>
+              <a:t>27/03/64</a:t>
             </a:fld>
             <a:endParaRPr lang="th-TH"/>
           </a:p>
@@ -1652,7 +1958,7 @@
     </p:spTree>
     <p:extLst>
       <p:ext uri="{BB962C8B-B14F-4D97-AF65-F5344CB8AC3E}">
-        <p14:creationId xmlns:p14="http://schemas.microsoft.com/office/powerpoint/2010/main" val="1901572236"/>
+        <p14:creationId xmlns:p14="http://schemas.microsoft.com/office/powerpoint/2010/main" val="2145002229"/>
       </p:ext>
     </p:extLst>
   </p:cSld>
@@ -1719,7 +2025,7 @@
           <a:p>
             <a:fld id="{2BFD7A69-6CA7-41AF-9AEB-7368F5690727}" type="datetimeFigureOut">
               <a:rPr lang="th-TH" smtClean="0"/>
-              <a:t>23/12/63</a:t>
+              <a:t>27/03/64</a:t>
             </a:fld>
             <a:endParaRPr lang="th-TH"/>
           </a:p>
@@ -1770,7 +2076,7 @@
     </p:spTree>
     <p:extLst>
       <p:ext uri="{BB962C8B-B14F-4D97-AF65-F5344CB8AC3E}">
-        <p14:creationId xmlns:p14="http://schemas.microsoft.com/office/powerpoint/2010/main" val="3145014417"/>
+        <p14:creationId xmlns:p14="http://schemas.microsoft.com/office/powerpoint/2010/main" val="1747409980"/>
       </p:ext>
     </p:extLst>
   </p:cSld>
@@ -1781,7 +2087,7 @@
 </file>
 
 <file path=ppt/slideLayouts/slideLayout7.xml><?xml version="1.0" encoding="utf-8"?>
-<p:sldLayout xmlns:a="http://schemas.openxmlformats.org/drawingml/2006/main" xmlns:r="http://schemas.openxmlformats.org/officeDocument/2006/relationships" xmlns:p="http://schemas.openxmlformats.org/presentationml/2006/main" type="blank" preserve="1">
+<p:sldLayout xmlns:a="http://schemas.openxmlformats.org/drawingml/2006/main" xmlns:r="http://schemas.openxmlformats.org/officeDocument/2006/relationships" xmlns:p="http://schemas.openxmlformats.org/presentationml/2006/main" showMasterSp="0" type="blank" preserve="1">
   <p:cSld name="ว่างเปล่า">
     <p:spTree>
       <p:nvGrpSpPr>
@@ -1814,7 +2120,7 @@
           <a:p>
             <a:fld id="{2BFD7A69-6CA7-41AF-9AEB-7368F5690727}" type="datetimeFigureOut">
               <a:rPr lang="th-TH" smtClean="0"/>
-              <a:t>23/12/63</a:t>
+              <a:t>27/03/64</a:t>
             </a:fld>
             <a:endParaRPr lang="th-TH"/>
           </a:p>
@@ -1865,7 +2171,7 @@
     </p:spTree>
     <p:extLst>
       <p:ext uri="{BB962C8B-B14F-4D97-AF65-F5344CB8AC3E}">
-        <p14:creationId xmlns:p14="http://schemas.microsoft.com/office/powerpoint/2010/main" val="1144016900"/>
+        <p14:creationId xmlns:p14="http://schemas.microsoft.com/office/powerpoint/2010/main" val="2676688369"/>
       </p:ext>
     </p:extLst>
   </p:cSld>
@@ -1894,31 +2200,107 @@
       </p:grpSpPr>
       <p:sp>
         <p:nvSpPr>
-          <p:cNvPr id="2" name="Title 1"/>
+          <p:cNvPr id="8" name="Title 7"/>
           <p:cNvSpPr>
             <a:spLocks noGrp="1"/>
           </p:cNvSpPr>
           <p:nvPr>
             <p:ph type="title"/>
+          </p:nvPr>
+        </p:nvSpPr>
+        <p:spPr/>
+        <p:txBody>
+          <a:bodyPr/>
+          <a:lstStyle/>
+          <a:p>
+            <a:r>
+              <a:rPr lang="th-TH"/>
+              <a:t>คลิกเพื่อแก้ไขสไตล์ชื่อเรื่องต้นแบบ</a:t>
+            </a:r>
+            <a:endParaRPr lang="en-US" dirty="0"/>
+          </a:p>
+        </p:txBody>
+      </p:sp>
+      <p:sp>
+        <p:nvSpPr>
+          <p:cNvPr id="3" name="Content Placeholder 2"/>
+          <p:cNvSpPr>
+            <a:spLocks noGrp="1"/>
+          </p:cNvSpPr>
+          <p:nvPr>
+            <p:ph idx="1"/>
           </p:nvPr>
         </p:nvSpPr>
         <p:spPr>
           <a:xfrm>
-            <a:off x="472381" y="660400"/>
-            <a:ext cx="2211884" cy="2311400"/>
+            <a:off x="514350" y="3103880"/>
+            <a:ext cx="3429000" cy="5547360"/>
           </a:xfrm>
         </p:spPr>
         <p:txBody>
-          <a:bodyPr anchor="b"/>
+          <a:bodyPr/>
           <a:lstStyle>
             <a:lvl1pPr>
-              <a:defRPr sz="2400"/>
+              <a:defRPr sz="1650"/>
             </a:lvl1pPr>
+            <a:lvl2pPr>
+              <a:defRPr sz="1500"/>
+            </a:lvl2pPr>
+            <a:lvl3pPr>
+              <a:defRPr sz="1350"/>
+            </a:lvl3pPr>
+            <a:lvl4pPr>
+              <a:defRPr sz="1200"/>
+            </a:lvl4pPr>
+            <a:lvl5pPr>
+              <a:defRPr sz="1200"/>
+            </a:lvl5pPr>
+            <a:lvl6pPr>
+              <a:defRPr sz="1200"/>
+            </a:lvl6pPr>
+            <a:lvl7pPr>
+              <a:defRPr sz="1200"/>
+            </a:lvl7pPr>
+            <a:lvl8pPr>
+              <a:defRPr sz="1200"/>
+            </a:lvl8pPr>
+            <a:lvl9pPr>
+              <a:defRPr sz="1200"/>
+            </a:lvl9pPr>
           </a:lstStyle>
           <a:p>
-            <a:r>
-              <a:rPr lang="th-TH"/>
-              <a:t>คลิกเพื่อแก้ไขสไตล์ชื่อเรื่องต้นแบบ</a:t>
+            <a:pPr lvl="0"/>
+            <a:r>
+              <a:rPr lang="th-TH"/>
+              <a:t>คลิกเพื่อแก้ไขสไตล์ของข้อความต้นแบบ</a:t>
+            </a:r>
+          </a:p>
+          <a:p>
+            <a:pPr lvl="1"/>
+            <a:r>
+              <a:rPr lang="th-TH"/>
+              <a:t>ระดับที่สอง</a:t>
+            </a:r>
+          </a:p>
+          <a:p>
+            <a:pPr lvl="2"/>
+            <a:r>
+              <a:rPr lang="th-TH"/>
+              <a:t>ระดับที่สาม</a:t>
+            </a:r>
+          </a:p>
+          <a:p>
+            <a:pPr lvl="3"/>
+            <a:r>
+              <a:rPr lang="th-TH"/>
+              <a:t>ระดับที่สี่</a:t>
+            </a:r>
+          </a:p>
+          <a:p>
+            <a:pPr lvl="4"/>
+            <a:r>
+              <a:rPr lang="th-TH"/>
+              <a:t>ระดับที่ห้า</a:t>
             </a:r>
             <a:endParaRPr lang="en-US" dirty="0"/>
           </a:p>
@@ -1926,49 +2308,63 @@
       </p:sp>
       <p:sp>
         <p:nvSpPr>
-          <p:cNvPr id="3" name="Content Placeholder 2"/>
-          <p:cNvSpPr>
-            <a:spLocks noGrp="1"/>
-          </p:cNvSpPr>
-          <p:nvPr>
-            <p:ph idx="1"/>
+          <p:cNvPr id="4" name="Text Placeholder 3"/>
+          <p:cNvSpPr>
+            <a:spLocks noGrp="1"/>
+          </p:cNvSpPr>
+          <p:nvPr>
+            <p:ph type="body" sz="half" idx="2"/>
           </p:nvPr>
         </p:nvSpPr>
         <p:spPr>
           <a:xfrm>
-            <a:off x="2915543" y="1426283"/>
-            <a:ext cx="3471863" cy="7039681"/>
+            <a:off x="4419426" y="3101926"/>
+            <a:ext cx="1920240" cy="4957794"/>
           </a:xfrm>
         </p:spPr>
         <p:txBody>
-          <a:bodyPr/>
+          <a:bodyPr>
+            <a:normAutofit/>
+          </a:bodyPr>
           <a:lstStyle>
-            <a:lvl1pPr>
-              <a:defRPr sz="2400"/>
+            <a:lvl1pPr marL="0" indent="0">
+              <a:lnSpc>
+                <a:spcPct val="95000"/>
+              </a:lnSpc>
+              <a:buNone/>
+              <a:defRPr sz="1275"/>
             </a:lvl1pPr>
-            <a:lvl2pPr>
-              <a:defRPr sz="2100"/>
+            <a:lvl2pPr marL="342900" indent="0">
+              <a:buNone/>
+              <a:defRPr sz="900"/>
             </a:lvl2pPr>
-            <a:lvl3pPr>
-              <a:defRPr sz="1800"/>
+            <a:lvl3pPr marL="685800" indent="0">
+              <a:buNone/>
+              <a:defRPr sz="750"/>
             </a:lvl3pPr>
-            <a:lvl4pPr>
-              <a:defRPr sz="1500"/>
+            <a:lvl4pPr marL="1028700" indent="0">
+              <a:buNone/>
+              <a:defRPr sz="675"/>
             </a:lvl4pPr>
-            <a:lvl5pPr>
-              <a:defRPr sz="1500"/>
+            <a:lvl5pPr marL="1371600" indent="0">
+              <a:buNone/>
+              <a:defRPr sz="675"/>
             </a:lvl5pPr>
-            <a:lvl6pPr>
-              <a:defRPr sz="1500"/>
+            <a:lvl6pPr marL="1714500" indent="0">
+              <a:buNone/>
+              <a:defRPr sz="675"/>
             </a:lvl6pPr>
-            <a:lvl7pPr>
-              <a:defRPr sz="1500"/>
+            <a:lvl7pPr marL="2057400" indent="0">
+              <a:buNone/>
+              <a:defRPr sz="675"/>
             </a:lvl7pPr>
-            <a:lvl8pPr>
-              <a:defRPr sz="1500"/>
+            <a:lvl8pPr marL="2400300" indent="0">
+              <a:buNone/>
+              <a:defRPr sz="675"/>
             </a:lvl8pPr>
-            <a:lvl9pPr>
-              <a:defRPr sz="1500"/>
+            <a:lvl9pPr marL="2743200" indent="0">
+              <a:buNone/>
+              <a:defRPr sz="675"/>
             </a:lvl9pPr>
           </a:lstStyle>
           <a:p>
@@ -1978,100 +2374,6 @@
               <a:t>คลิกเพื่อแก้ไขสไตล์ของข้อความต้นแบบ</a:t>
             </a:r>
           </a:p>
-          <a:p>
-            <a:pPr lvl="1"/>
-            <a:r>
-              <a:rPr lang="th-TH"/>
-              <a:t>ระดับที่สอง</a:t>
-            </a:r>
-          </a:p>
-          <a:p>
-            <a:pPr lvl="2"/>
-            <a:r>
-              <a:rPr lang="th-TH"/>
-              <a:t>ระดับที่สาม</a:t>
-            </a:r>
-          </a:p>
-          <a:p>
-            <a:pPr lvl="3"/>
-            <a:r>
-              <a:rPr lang="th-TH"/>
-              <a:t>ระดับที่สี่</a:t>
-            </a:r>
-          </a:p>
-          <a:p>
-            <a:pPr lvl="4"/>
-            <a:r>
-              <a:rPr lang="th-TH"/>
-              <a:t>ระดับที่ห้า</a:t>
-            </a:r>
-            <a:endParaRPr lang="en-US" dirty="0"/>
-          </a:p>
-        </p:txBody>
-      </p:sp>
-      <p:sp>
-        <p:nvSpPr>
-          <p:cNvPr id="4" name="Text Placeholder 3"/>
-          <p:cNvSpPr>
-            <a:spLocks noGrp="1"/>
-          </p:cNvSpPr>
-          <p:nvPr>
-            <p:ph type="body" sz="half" idx="2"/>
-          </p:nvPr>
-        </p:nvSpPr>
-        <p:spPr>
-          <a:xfrm>
-            <a:off x="472381" y="2971800"/>
-            <a:ext cx="2211884" cy="5505627"/>
-          </a:xfrm>
-        </p:spPr>
-        <p:txBody>
-          <a:bodyPr/>
-          <a:lstStyle>
-            <a:lvl1pPr marL="0" indent="0">
-              <a:buNone/>
-              <a:defRPr sz="1200"/>
-            </a:lvl1pPr>
-            <a:lvl2pPr marL="342900" indent="0">
-              <a:buNone/>
-              <a:defRPr sz="1050"/>
-            </a:lvl2pPr>
-            <a:lvl3pPr marL="685800" indent="0">
-              <a:buNone/>
-              <a:defRPr sz="900"/>
-            </a:lvl3pPr>
-            <a:lvl4pPr marL="1028700" indent="0">
-              <a:buNone/>
-              <a:defRPr sz="750"/>
-            </a:lvl4pPr>
-            <a:lvl5pPr marL="1371600" indent="0">
-              <a:buNone/>
-              <a:defRPr sz="750"/>
-            </a:lvl5pPr>
-            <a:lvl6pPr marL="1714500" indent="0">
-              <a:buNone/>
-              <a:defRPr sz="750"/>
-            </a:lvl6pPr>
-            <a:lvl7pPr marL="2057400" indent="0">
-              <a:buNone/>
-              <a:defRPr sz="750"/>
-            </a:lvl7pPr>
-            <a:lvl8pPr marL="2400300" indent="0">
-              <a:buNone/>
-              <a:defRPr sz="750"/>
-            </a:lvl8pPr>
-            <a:lvl9pPr marL="2743200" indent="0">
-              <a:buNone/>
-              <a:defRPr sz="750"/>
-            </a:lvl9pPr>
-          </a:lstStyle>
-          <a:p>
-            <a:pPr lvl="0"/>
-            <a:r>
-              <a:rPr lang="th-TH"/>
-              <a:t>คลิกเพื่อแก้ไขสไตล์ของข้อความต้นแบบ</a:t>
-            </a:r>
-          </a:p>
         </p:txBody>
       </p:sp>
       <p:sp>
@@ -2091,7 +2393,7 @@
           <a:p>
             <a:fld id="{2BFD7A69-6CA7-41AF-9AEB-7368F5690727}" type="datetimeFigureOut">
               <a:rPr lang="th-TH" smtClean="0"/>
-              <a:t>23/12/63</a:t>
+              <a:t>27/03/64</a:t>
             </a:fld>
             <a:endParaRPr lang="th-TH"/>
           </a:p>
@@ -2142,7 +2444,7 @@
     </p:spTree>
     <p:extLst>
       <p:ext uri="{BB962C8B-B14F-4D97-AF65-F5344CB8AC3E}">
-        <p14:creationId xmlns:p14="http://schemas.microsoft.com/office/powerpoint/2010/main" val="952775879"/>
+        <p14:creationId xmlns:p14="http://schemas.microsoft.com/office/powerpoint/2010/main" val="3232173417"/>
       </p:ext>
     </p:extLst>
   </p:cSld>
@@ -2171,58 +2473,61 @@
       </p:grpSpPr>
       <p:sp>
         <p:nvSpPr>
-          <p:cNvPr id="2" name="Title 1"/>
+          <p:cNvPr id="8" name="Title 7"/>
           <p:cNvSpPr>
             <a:spLocks noGrp="1"/>
           </p:cNvSpPr>
           <p:nvPr>
             <p:ph type="title"/>
+          </p:nvPr>
+        </p:nvSpPr>
+        <p:spPr/>
+        <p:txBody>
+          <a:bodyPr/>
+          <a:lstStyle/>
+          <a:p>
+            <a:r>
+              <a:rPr lang="th-TH"/>
+              <a:t>คลิกเพื่อแก้ไขสไตล์ชื่อเรื่องต้นแบบ</a:t>
+            </a:r>
+            <a:endParaRPr lang="en-US" dirty="0"/>
+          </a:p>
+        </p:txBody>
+      </p:sp>
+      <p:sp>
+        <p:nvSpPr>
+          <p:cNvPr id="3" name="Picture Placeholder 2"/>
+          <p:cNvSpPr>
+            <a:spLocks noGrp="1" noChangeAspect="1"/>
+          </p:cNvSpPr>
+          <p:nvPr>
+            <p:ph type="pic" idx="1"/>
           </p:nvPr>
         </p:nvSpPr>
         <p:spPr>
           <a:xfrm>
-            <a:off x="472381" y="660400"/>
-            <a:ext cx="2211884" cy="2311400"/>
+            <a:off x="514350" y="3194380"/>
+            <a:ext cx="3566160" cy="5547360"/>
           </a:xfrm>
+          <a:solidFill>
+            <a:schemeClr val="tx2">
+              <a:lumMod val="60000"/>
+              <a:lumOff val="40000"/>
+            </a:schemeClr>
+          </a:solidFill>
         </p:spPr>
         <p:txBody>
-          <a:bodyPr anchor="b"/>
+          <a:bodyPr tIns="365760" anchor="t"/>
           <a:lstStyle>
-            <a:lvl1pPr>
-              <a:defRPr sz="2400"/>
-            </a:lvl1pPr>
-          </a:lstStyle>
-          <a:p>
-            <a:r>
-              <a:rPr lang="th-TH"/>
-              <a:t>คลิกเพื่อแก้ไขสไตล์ชื่อเรื่องต้นแบบ</a:t>
-            </a:r>
-            <a:endParaRPr lang="en-US" dirty="0"/>
-          </a:p>
-        </p:txBody>
-      </p:sp>
-      <p:sp>
-        <p:nvSpPr>
-          <p:cNvPr id="3" name="Picture Placeholder 2"/>
-          <p:cNvSpPr>
-            <a:spLocks noGrp="1" noChangeAspect="1"/>
-          </p:cNvSpPr>
-          <p:nvPr>
-            <p:ph type="pic" idx="1"/>
-          </p:nvPr>
-        </p:nvSpPr>
-        <p:spPr>
-          <a:xfrm>
-            <a:off x="2915543" y="1426283"/>
-            <a:ext cx="3471863" cy="7039681"/>
-          </a:xfrm>
-        </p:spPr>
-        <p:txBody>
-          <a:bodyPr anchor="t"/>
-          <a:lstStyle>
-            <a:lvl1pPr marL="0" indent="0">
-              <a:buNone/>
-              <a:defRPr sz="2400"/>
+            <a:lvl1pPr marL="0" indent="0" algn="ctr">
+              <a:buNone/>
+              <a:defRPr sz="2400">
+                <a:solidFill>
+                  <a:schemeClr val="tx1">
+                    <a:lumMod val="50000"/>
+                  </a:schemeClr>
+                </a:solidFill>
+              </a:defRPr>
             </a:lvl1pPr>
             <a:lvl2pPr marL="342900" indent="0">
               <a:buNone/>
@@ -2278,48 +2583,53 @@
         </p:nvSpPr>
         <p:spPr>
           <a:xfrm>
-            <a:off x="472381" y="2971800"/>
-            <a:ext cx="2211884" cy="5505627"/>
+            <a:off x="4414013" y="3106453"/>
+            <a:ext cx="1920240" cy="4953000"/>
           </a:xfrm>
         </p:spPr>
         <p:txBody>
-          <a:bodyPr/>
+          <a:bodyPr>
+            <a:normAutofit/>
+          </a:bodyPr>
           <a:lstStyle>
             <a:lvl1pPr marL="0" indent="0">
-              <a:buNone/>
-              <a:defRPr sz="1200"/>
+              <a:lnSpc>
+                <a:spcPct val="95000"/>
+              </a:lnSpc>
+              <a:buNone/>
+              <a:defRPr sz="1275"/>
             </a:lvl1pPr>
             <a:lvl2pPr marL="342900" indent="0">
               <a:buNone/>
-              <a:defRPr sz="1050"/>
+              <a:defRPr sz="900"/>
             </a:lvl2pPr>
             <a:lvl3pPr marL="685800" indent="0">
               <a:buNone/>
-              <a:defRPr sz="900"/>
+              <a:defRPr sz="750"/>
             </a:lvl3pPr>
             <a:lvl4pPr marL="1028700" indent="0">
               <a:buNone/>
-              <a:defRPr sz="750"/>
+              <a:defRPr sz="675"/>
             </a:lvl4pPr>
             <a:lvl5pPr marL="1371600" indent="0">
               <a:buNone/>
-              <a:defRPr sz="750"/>
+              <a:defRPr sz="675"/>
             </a:lvl5pPr>
             <a:lvl6pPr marL="1714500" indent="0">
               <a:buNone/>
-              <a:defRPr sz="750"/>
+              <a:defRPr sz="675"/>
             </a:lvl6pPr>
             <a:lvl7pPr marL="2057400" indent="0">
               <a:buNone/>
-              <a:defRPr sz="750"/>
+              <a:defRPr sz="675"/>
             </a:lvl7pPr>
             <a:lvl8pPr marL="2400300" indent="0">
               <a:buNone/>
-              <a:defRPr sz="750"/>
+              <a:defRPr sz="675"/>
             </a:lvl8pPr>
             <a:lvl9pPr marL="2743200" indent="0">
               <a:buNone/>
-              <a:defRPr sz="750"/>
+              <a:defRPr sz="675"/>
             </a:lvl9pPr>
           </a:lstStyle>
           <a:p>
@@ -2348,7 +2658,7 @@
           <a:p>
             <a:fld id="{2BFD7A69-6CA7-41AF-9AEB-7368F5690727}" type="datetimeFigureOut">
               <a:rPr lang="th-TH" smtClean="0"/>
-              <a:t>23/12/63</a:t>
+              <a:t>27/03/64</a:t>
             </a:fld>
             <a:endParaRPr lang="th-TH"/>
           </a:p>
@@ -2399,7 +2709,7 @@
     </p:spTree>
     <p:extLst>
       <p:ext uri="{BB962C8B-B14F-4D97-AF65-F5344CB8AC3E}">
-        <p14:creationId xmlns:p14="http://schemas.microsoft.com/office/powerpoint/2010/main" val="44453214"/>
+        <p14:creationId xmlns:p14="http://schemas.microsoft.com/office/powerpoint/2010/main" val="1340707581"/>
       </p:ext>
     </p:extLst>
   </p:cSld>
@@ -2414,7 +2724,7 @@
   <p:cSld>
     <p:bg>
       <p:bgRef idx="1001">
-        <a:schemeClr val="bg1"/>
+        <a:schemeClr val="bg2"/>
       </p:bgRef>
     </p:bg>
     <p:spTree>
@@ -2433,18 +2743,56 @@
       </p:grpSpPr>
       <p:sp>
         <p:nvSpPr>
-          <p:cNvPr id="2" name="Title Placeholder 1"/>
-          <p:cNvSpPr>
-            <a:spLocks noGrp="1"/>
-          </p:cNvSpPr>
-          <p:nvPr>
-            <p:ph type="title"/>
-          </p:nvPr>
+          <p:cNvPr id="7" name="Rectangle 6"/>
+          <p:cNvSpPr/>
+          <p:nvPr/>
         </p:nvSpPr>
         <p:spPr>
           <a:xfrm>
-            <a:off x="471488" y="527405"/>
-            <a:ext cx="5915025" cy="1914702"/>
+            <a:off x="271" y="254380"/>
+            <a:ext cx="6856286" cy="2377439"/>
+          </a:xfrm>
+          <a:prstGeom prst="rect">
+            <a:avLst/>
+          </a:prstGeom>
+          <a:solidFill>
+            <a:schemeClr val="tx1"/>
+          </a:solidFill>
+          <a:ln>
+            <a:noFill/>
+          </a:ln>
+        </p:spPr>
+        <p:style>
+          <a:lnRef idx="2">
+            <a:schemeClr val="accent1">
+              <a:shade val="50000"/>
+            </a:schemeClr>
+          </a:lnRef>
+          <a:fillRef idx="1">
+            <a:schemeClr val="accent1"/>
+          </a:fillRef>
+          <a:effectRef idx="0">
+            <a:schemeClr val="accent1"/>
+          </a:effectRef>
+          <a:fontRef idx="minor">
+            <a:schemeClr val="lt1"/>
+          </a:fontRef>
+        </p:style>
+      </p:sp>
+      <p:sp>
+        <p:nvSpPr>
+          <p:cNvPr id="2" name="Title Placeholder 1"/>
+          <p:cNvSpPr>
+            <a:spLocks noGrp="1"/>
+          </p:cNvSpPr>
+          <p:nvPr>
+            <p:ph type="title"/>
+          </p:nvPr>
+        </p:nvSpPr>
+        <p:spPr>
+          <a:xfrm>
+            <a:off x="513764" y="410476"/>
+            <a:ext cx="5829300" cy="2179320"/>
           </a:xfrm>
           <a:prstGeom prst="rect">
             <a:avLst/>
@@ -2476,8 +2824,8 @@
         </p:nvSpPr>
         <p:spPr>
           <a:xfrm>
-            <a:off x="471488" y="2637014"/>
-            <a:ext cx="5915025" cy="6285266"/>
+            <a:off x="513764" y="2905760"/>
+            <a:ext cx="5829300" cy="6075680"/>
           </a:xfrm>
           <a:prstGeom prst="rect">
             <a:avLst/>
@@ -2538,22 +2886,20 @@
         </p:nvSpPr>
         <p:spPr>
           <a:xfrm>
-            <a:off x="471488" y="9181397"/>
-            <a:ext cx="1543050" cy="527403"/>
+            <a:off x="511168" y="9277458"/>
+            <a:ext cx="1946282" cy="527403"/>
           </a:xfrm>
           <a:prstGeom prst="rect">
             <a:avLst/>
           </a:prstGeom>
         </p:spPr>
         <p:txBody>
-          <a:bodyPr vert="horz" lIns="91440" tIns="45720" rIns="91440" bIns="45720" rtlCol="0" anchor="ctr"/>
+          <a:bodyPr vert="horz" lIns="91440" tIns="45720" rIns="45720" bIns="45720" rtlCol="0" anchor="ctr"/>
           <a:lstStyle>
             <a:lvl1pPr algn="l">
-              <a:defRPr sz="900">
-                <a:solidFill>
-                  <a:schemeClr val="tx1">
-                    <a:tint val="75000"/>
-                  </a:schemeClr>
+              <a:defRPr sz="788">
+                <a:solidFill>
+                  <a:schemeClr val="tx1"/>
                 </a:solidFill>
               </a:defRPr>
             </a:lvl1pPr>
@@ -2561,7 +2907,7 @@
           <a:p>
             <a:fld id="{2BFD7A69-6CA7-41AF-9AEB-7368F5690727}" type="datetimeFigureOut">
               <a:rPr lang="th-TH" smtClean="0"/>
-              <a:t>23/12/63</a:t>
+              <a:t>27/03/64</a:t>
             </a:fld>
             <a:endParaRPr lang="th-TH"/>
           </a:p>
@@ -2579,8 +2925,8 @@
         </p:nvSpPr>
         <p:spPr>
           <a:xfrm>
-            <a:off x="2271713" y="9181397"/>
-            <a:ext cx="2314575" cy="527403"/>
+            <a:off x="3143251" y="9277458"/>
+            <a:ext cx="3045470" cy="527403"/>
           </a:xfrm>
           <a:prstGeom prst="rect">
             <a:avLst/>
@@ -2589,12 +2935,10 @@
         <p:txBody>
           <a:bodyPr vert="horz" lIns="91440" tIns="45720" rIns="91440" bIns="45720" rtlCol="0" anchor="ctr"/>
           <a:lstStyle>
-            <a:lvl1pPr algn="ctr">
-              <a:defRPr sz="900">
-                <a:solidFill>
-                  <a:schemeClr val="tx1">
-                    <a:tint val="75000"/>
-                  </a:schemeClr>
+            <a:lvl1pPr algn="r">
+              <a:defRPr sz="788">
+                <a:solidFill>
+                  <a:schemeClr val="tx1"/>
                 </a:solidFill>
               </a:defRPr>
             </a:lvl1pPr>
@@ -2616,22 +2960,20 @@
         </p:nvSpPr>
         <p:spPr>
           <a:xfrm>
-            <a:off x="4843463" y="9181397"/>
-            <a:ext cx="1543050" cy="527403"/>
+            <a:off x="6198854" y="9277458"/>
+            <a:ext cx="532274" cy="527403"/>
           </a:xfrm>
           <a:prstGeom prst="rect">
             <a:avLst/>
           </a:prstGeom>
         </p:spPr>
         <p:txBody>
-          <a:bodyPr vert="horz" lIns="91440" tIns="45720" rIns="91440" bIns="45720" rtlCol="0" anchor="ctr"/>
+          <a:bodyPr vert="horz" lIns="45720" tIns="45720" rIns="91440" bIns="45720" rtlCol="0" anchor="ctr"/>
           <a:lstStyle>
-            <a:lvl1pPr algn="r">
-              <a:defRPr sz="900">
-                <a:solidFill>
-                  <a:schemeClr val="tx1">
-                    <a:tint val="75000"/>
-                  </a:schemeClr>
+            <a:lvl1pPr algn="l">
+              <a:defRPr sz="900" b="0">
+                <a:solidFill>
+                  <a:schemeClr val="tx1"/>
                 </a:solidFill>
               </a:defRPr>
             </a:lvl1pPr>
@@ -2648,37 +2990,37 @@
     </p:spTree>
     <p:extLst>
       <p:ext uri="{BB962C8B-B14F-4D97-AF65-F5344CB8AC3E}">
-        <p14:creationId xmlns:p14="http://schemas.microsoft.com/office/powerpoint/2010/main" val="95724006"/>
+        <p14:creationId xmlns:p14="http://schemas.microsoft.com/office/powerpoint/2010/main" val="4258815708"/>
       </p:ext>
     </p:extLst>
   </p:cSld>
-  <p:clrMap bg1="lt1" tx1="dk1" bg2="lt2" tx2="dk2" accent1="accent1" accent2="accent2" accent3="accent3" accent4="accent4" accent5="accent5" accent6="accent6" hlink="hlink" folHlink="folHlink"/>
+  <p:clrMap bg1="dk1" tx1="lt1" bg2="dk2" tx2="lt2" accent1="accent1" accent2="accent2" accent3="accent3" accent4="accent4" accent5="accent5" accent6="accent6" hlink="hlink" folHlink="folHlink"/>
   <p:sldLayoutIdLst>
-    <p:sldLayoutId id="2147483673" r:id="rId1"/>
-    <p:sldLayoutId id="2147483674" r:id="rId2"/>
-    <p:sldLayoutId id="2147483675" r:id="rId3"/>
-    <p:sldLayoutId id="2147483676" r:id="rId4"/>
-    <p:sldLayoutId id="2147483677" r:id="rId5"/>
-    <p:sldLayoutId id="2147483678" r:id="rId6"/>
-    <p:sldLayoutId id="2147483679" r:id="rId7"/>
-    <p:sldLayoutId id="2147483680" r:id="rId8"/>
-    <p:sldLayoutId id="2147483681" r:id="rId9"/>
-    <p:sldLayoutId id="2147483682" r:id="rId10"/>
-    <p:sldLayoutId id="2147483683" r:id="rId11"/>
+    <p:sldLayoutId id="2147483822" r:id="rId1"/>
+    <p:sldLayoutId id="2147483823" r:id="rId2"/>
+    <p:sldLayoutId id="2147483824" r:id="rId3"/>
+    <p:sldLayoutId id="2147483825" r:id="rId4"/>
+    <p:sldLayoutId id="2147483826" r:id="rId5"/>
+    <p:sldLayoutId id="2147483827" r:id="rId6"/>
+    <p:sldLayoutId id="2147483828" r:id="rId7"/>
+    <p:sldLayoutId id="2147483829" r:id="rId8"/>
+    <p:sldLayoutId id="2147483830" r:id="rId9"/>
+    <p:sldLayoutId id="2147483831" r:id="rId10"/>
+    <p:sldLayoutId id="2147483832" r:id="rId11"/>
   </p:sldLayoutIdLst>
   <p:txStyles>
     <p:titleStyle>
       <a:lvl1pPr algn="l" defTabSz="685800" rtl="0" eaLnBrk="1" latinLnBrk="0" hangingPunct="1">
         <a:lnSpc>
-          <a:spcPct val="90000"/>
+          <a:spcPct val="85000"/>
         </a:lnSpc>
         <a:spcBef>
           <a:spcPct val="0"/>
         </a:spcBef>
         <a:buNone/>
-        <a:defRPr sz="3300" kern="1200">
+        <a:defRPr sz="3000" kern="1200" cap="all" baseline="0">
           <a:solidFill>
-            <a:schemeClr val="tx1"/>
+            <a:schemeClr val="bg2"/>
           </a:solidFill>
           <a:latin typeface="+mj-lt"/>
           <a:ea typeface="+mj-ea"/>
@@ -2687,16 +3029,22 @@
       </a:lvl1pPr>
     </p:titleStyle>
     <p:bodyStyle>
-      <a:lvl1pPr marL="171450" indent="-171450" algn="l" defTabSz="685800" rtl="0" eaLnBrk="1" latinLnBrk="0" hangingPunct="1">
+      <a:lvl1pPr marL="137160" indent="-137160" algn="l" defTabSz="685800" rtl="0" eaLnBrk="1" latinLnBrk="0" hangingPunct="1">
         <a:lnSpc>
           <a:spcPct val="90000"/>
         </a:lnSpc>
         <a:spcBef>
-          <a:spcPts val="750"/>
+          <a:spcPts val="900"/>
         </a:spcBef>
-        <a:buFont typeface="Arial" panose="020B0604020202020204" pitchFamily="34" charset="0"/>
-        <a:buChar char="•"/>
-        <a:defRPr sz="2100" kern="1200">
+        <a:spcAft>
+          <a:spcPts val="150"/>
+        </a:spcAft>
+        <a:buClr>
+          <a:schemeClr val="tx1"/>
+        </a:buClr>
+        <a:buFont typeface="Wingdings" pitchFamily="2" charset="2"/>
+        <a:buChar char=""/>
+        <a:defRPr sz="1650" kern="1200">
           <a:solidFill>
             <a:schemeClr val="tx1"/>
           </a:solidFill>
@@ -2705,16 +3053,22 @@
           <a:cs typeface="+mn-cs"/>
         </a:defRPr>
       </a:lvl1pPr>
-      <a:lvl2pPr marL="514350" indent="-171450" algn="l" defTabSz="685800" rtl="0" eaLnBrk="1" latinLnBrk="0" hangingPunct="1">
+      <a:lvl2pPr marL="308610" indent="-137160" algn="l" defTabSz="685800" rtl="0" eaLnBrk="1" latinLnBrk="0" hangingPunct="1">
         <a:lnSpc>
           <a:spcPct val="90000"/>
         </a:lnSpc>
         <a:spcBef>
-          <a:spcPts val="375"/>
+          <a:spcPts val="150"/>
         </a:spcBef>
-        <a:buFont typeface="Arial" panose="020B0604020202020204" pitchFamily="34" charset="0"/>
-        <a:buChar char="•"/>
-        <a:defRPr sz="1800" kern="1200">
+        <a:spcAft>
+          <a:spcPts val="300"/>
+        </a:spcAft>
+        <a:buClr>
+          <a:schemeClr val="tx1"/>
+        </a:buClr>
+        <a:buFont typeface="Wingdings" pitchFamily="2" charset="2"/>
+        <a:buChar char=""/>
+        <a:defRPr sz="1500" kern="1200">
           <a:solidFill>
             <a:schemeClr val="tx1"/>
           </a:solidFill>
@@ -2723,16 +3077,22 @@
           <a:cs typeface="+mn-cs"/>
         </a:defRPr>
       </a:lvl2pPr>
-      <a:lvl3pPr marL="857250" indent="-171450" algn="l" defTabSz="685800" rtl="0" eaLnBrk="1" latinLnBrk="0" hangingPunct="1">
+      <a:lvl3pPr marL="480060" indent="-137160" algn="l" defTabSz="685800" rtl="0" eaLnBrk="1" latinLnBrk="0" hangingPunct="1">
         <a:lnSpc>
           <a:spcPct val="90000"/>
         </a:lnSpc>
         <a:spcBef>
-          <a:spcPts val="375"/>
+          <a:spcPts val="150"/>
         </a:spcBef>
-        <a:buFont typeface="Arial" panose="020B0604020202020204" pitchFamily="34" charset="0"/>
-        <a:buChar char="•"/>
-        <a:defRPr sz="1500" kern="1200">
+        <a:spcAft>
+          <a:spcPts val="300"/>
+        </a:spcAft>
+        <a:buClr>
+          <a:schemeClr val="tx1"/>
+        </a:buClr>
+        <a:buFont typeface="Wingdings" pitchFamily="2" charset="2"/>
+        <a:buChar char=""/>
+        <a:defRPr sz="1350" kern="1200">
           <a:solidFill>
             <a:schemeClr val="tx1"/>
           </a:solidFill>
@@ -2741,16 +3101,22 @@
           <a:cs typeface="+mn-cs"/>
         </a:defRPr>
       </a:lvl3pPr>
-      <a:lvl4pPr marL="1200150" indent="-171450" algn="l" defTabSz="685800" rtl="0" eaLnBrk="1" latinLnBrk="0" hangingPunct="1">
+      <a:lvl4pPr marL="651510" indent="-137160" algn="l" defTabSz="685800" rtl="0" eaLnBrk="1" latinLnBrk="0" hangingPunct="1">
         <a:lnSpc>
           <a:spcPct val="90000"/>
         </a:lnSpc>
         <a:spcBef>
-          <a:spcPts val="375"/>
+          <a:spcPts val="150"/>
         </a:spcBef>
-        <a:buFont typeface="Arial" panose="020B0604020202020204" pitchFamily="34" charset="0"/>
-        <a:buChar char="•"/>
-        <a:defRPr sz="1350" kern="1200">
+        <a:spcAft>
+          <a:spcPts val="300"/>
+        </a:spcAft>
+        <a:buClr>
+          <a:schemeClr val="tx1"/>
+        </a:buClr>
+        <a:buFont typeface="Wingdings" pitchFamily="2" charset="2"/>
+        <a:buChar char=""/>
+        <a:defRPr sz="1200" kern="1200">
           <a:solidFill>
             <a:schemeClr val="tx1"/>
           </a:solidFill>
@@ -2759,16 +3125,22 @@
           <a:cs typeface="+mn-cs"/>
         </a:defRPr>
       </a:lvl4pPr>
-      <a:lvl5pPr marL="1543050" indent="-171450" algn="l" defTabSz="685800" rtl="0" eaLnBrk="1" latinLnBrk="0" hangingPunct="1">
+      <a:lvl5pPr marL="822960" indent="-137160" algn="l" defTabSz="685800" rtl="0" eaLnBrk="1" latinLnBrk="0" hangingPunct="1">
         <a:lnSpc>
           <a:spcPct val="90000"/>
         </a:lnSpc>
         <a:spcBef>
-          <a:spcPts val="375"/>
+          <a:spcPts val="150"/>
         </a:spcBef>
-        <a:buFont typeface="Arial" panose="020B0604020202020204" pitchFamily="34" charset="0"/>
-        <a:buChar char="•"/>
-        <a:defRPr sz="1350" kern="1200">
+        <a:spcAft>
+          <a:spcPts val="300"/>
+        </a:spcAft>
+        <a:buClr>
+          <a:schemeClr val="tx1"/>
+        </a:buClr>
+        <a:buFont typeface="Wingdings" pitchFamily="2" charset="2"/>
+        <a:buChar char=""/>
+        <a:defRPr sz="1200" kern="1200">
           <a:solidFill>
             <a:schemeClr val="tx1"/>
           </a:solidFill>
@@ -2777,16 +3149,22 @@
           <a:cs typeface="+mn-cs"/>
         </a:defRPr>
       </a:lvl5pPr>
-      <a:lvl6pPr marL="1885950" indent="-171450" algn="l" defTabSz="685800" rtl="0" eaLnBrk="1" latinLnBrk="0" hangingPunct="1">
+      <a:lvl6pPr marL="963450" indent="-171450" algn="l" defTabSz="685800" rtl="0" eaLnBrk="1" latinLnBrk="0" hangingPunct="1">
         <a:lnSpc>
           <a:spcPct val="90000"/>
         </a:lnSpc>
         <a:spcBef>
-          <a:spcPts val="375"/>
+          <a:spcPts val="150"/>
         </a:spcBef>
-        <a:buFont typeface="Arial" panose="020B0604020202020204" pitchFamily="34" charset="0"/>
-        <a:buChar char="•"/>
-        <a:defRPr sz="1350" kern="1200">
+        <a:spcAft>
+          <a:spcPts val="300"/>
+        </a:spcAft>
+        <a:buClr>
+          <a:schemeClr val="tx1"/>
+        </a:buClr>
+        <a:buFont typeface="Wingdings" pitchFamily="2" charset="2"/>
+        <a:buChar char=""/>
+        <a:defRPr sz="1200" kern="1200">
           <a:solidFill>
             <a:schemeClr val="tx1"/>
           </a:solidFill>
@@ -2795,16 +3173,22 @@
           <a:cs typeface="+mn-cs"/>
         </a:defRPr>
       </a:lvl6pPr>
-      <a:lvl7pPr marL="2228850" indent="-171450" algn="l" defTabSz="685800" rtl="0" eaLnBrk="1" latinLnBrk="0" hangingPunct="1">
+      <a:lvl7pPr marL="1103850" indent="-171450" algn="l" defTabSz="685800" rtl="0" eaLnBrk="1" latinLnBrk="0" hangingPunct="1">
         <a:lnSpc>
           <a:spcPct val="90000"/>
         </a:lnSpc>
         <a:spcBef>
-          <a:spcPts val="375"/>
+          <a:spcPts val="150"/>
         </a:spcBef>
-        <a:buFont typeface="Arial" panose="020B0604020202020204" pitchFamily="34" charset="0"/>
-        <a:buChar char="•"/>
-        <a:defRPr sz="1350" kern="1200">
+        <a:spcAft>
+          <a:spcPts val="300"/>
+        </a:spcAft>
+        <a:buClr>
+          <a:schemeClr val="tx1"/>
+        </a:buClr>
+        <a:buFont typeface="Wingdings" pitchFamily="2" charset="2"/>
+        <a:buChar char=""/>
+        <a:defRPr sz="1200" kern="1200">
           <a:solidFill>
             <a:schemeClr val="tx1"/>
           </a:solidFill>
@@ -2813,16 +3197,22 @@
           <a:cs typeface="+mn-cs"/>
         </a:defRPr>
       </a:lvl7pPr>
-      <a:lvl8pPr marL="2571750" indent="-171450" algn="l" defTabSz="685800" rtl="0" eaLnBrk="1" latinLnBrk="0" hangingPunct="1">
+      <a:lvl8pPr marL="1221750" indent="-171450" algn="l" defTabSz="685800" rtl="0" eaLnBrk="1" latinLnBrk="0" hangingPunct="1">
         <a:lnSpc>
           <a:spcPct val="90000"/>
         </a:lnSpc>
         <a:spcBef>
-          <a:spcPts val="375"/>
+          <a:spcPts val="150"/>
         </a:spcBef>
-        <a:buFont typeface="Arial" panose="020B0604020202020204" pitchFamily="34" charset="0"/>
-        <a:buChar char="•"/>
-        <a:defRPr sz="1350" kern="1200">
+        <a:spcAft>
+          <a:spcPts val="300"/>
+        </a:spcAft>
+        <a:buClr>
+          <a:schemeClr val="tx1"/>
+        </a:buClr>
+        <a:buFont typeface="Wingdings" pitchFamily="2" charset="2"/>
+        <a:buChar char=""/>
+        <a:defRPr sz="1200" kern="1200">
           <a:solidFill>
             <a:schemeClr val="tx1"/>
           </a:solidFill>
@@ -2831,16 +3221,22 @@
           <a:cs typeface="+mn-cs"/>
         </a:defRPr>
       </a:lvl8pPr>
-      <a:lvl9pPr marL="2914650" indent="-171450" algn="l" defTabSz="685800" rtl="0" eaLnBrk="1" latinLnBrk="0" hangingPunct="1">
+      <a:lvl9pPr marL="1354650" indent="-171450" algn="l" defTabSz="685800" rtl="0" eaLnBrk="1" latinLnBrk="0" hangingPunct="1">
         <a:lnSpc>
           <a:spcPct val="90000"/>
         </a:lnSpc>
         <a:spcBef>
-          <a:spcPts val="375"/>
+          <a:spcPts val="150"/>
         </a:spcBef>
-        <a:buFont typeface="Arial" panose="020B0604020202020204" pitchFamily="34" charset="0"/>
-        <a:buChar char="•"/>
-        <a:defRPr sz="1350" kern="1200">
+        <a:spcAft>
+          <a:spcPts val="300"/>
+        </a:spcAft>
+        <a:buClr>
+          <a:schemeClr val="tx1"/>
+        </a:buClr>
+        <a:buFont typeface="Wingdings" pitchFamily="2" charset="2"/>
+        <a:buChar char=""/>
+        <a:defRPr sz="1200" kern="1200">
           <a:solidFill>
             <a:schemeClr val="tx1"/>
           </a:solidFill>
@@ -2954,14 +3350,12 @@
   <p:cSld>
     <p:bg>
       <p:bgPr>
-        <a:blipFill dpi="0" rotWithShape="1">
-          <a:blip r:embed="rId2">
-            <a:alphaModFix amt="55000"/>
-            <a:lum/>
-          </a:blip>
-          <a:srcRect/>
-          <a:tile tx="0" ty="0" sx="100000" sy="100000" flip="none" algn="tl"/>
-        </a:blipFill>
+        <a:solidFill>
+          <a:schemeClr val="accent1">
+            <a:lumMod val="60000"/>
+            <a:lumOff val="40000"/>
+          </a:schemeClr>
+        </a:solidFill>
         <a:effectLst/>
       </p:bgPr>
     </p:bg>
@@ -2979,6 +3373,799 @@
           <a:chExt cx="0" cy="0"/>
         </a:xfrm>
       </p:grpSpPr>
+      <p:sp>
+        <p:nvSpPr>
+          <p:cNvPr id="74" name="สี่เหลี่ยมผืนผ้า 73">
+            <a:extLst>
+              <a:ext uri="{FF2B5EF4-FFF2-40B4-BE49-F238E27FC236}">
+                <a16:creationId xmlns:a16="http://schemas.microsoft.com/office/drawing/2014/main" id="{A7F73109-3451-4489-96E1-4518E3463534}"/>
+              </a:ext>
+            </a:extLst>
+          </p:cNvPr>
+          <p:cNvSpPr/>
+          <p:nvPr/>
+        </p:nvSpPr>
+        <p:spPr>
+          <a:xfrm>
+            <a:off x="0" y="0"/>
+            <a:ext cx="6858000" cy="1546860"/>
+          </a:xfrm>
+          <a:prstGeom prst="rect">
+            <a:avLst/>
+          </a:prstGeom>
+          <a:solidFill>
+            <a:schemeClr val="accent6">
+              <a:lumMod val="40000"/>
+              <a:lumOff val="60000"/>
+            </a:schemeClr>
+          </a:solidFill>
+          <a:ln>
+            <a:noFill/>
+          </a:ln>
+        </p:spPr>
+        <p:style>
+          <a:lnRef idx="0">
+            <a:scrgbClr r="0" g="0" b="0"/>
+          </a:lnRef>
+          <a:fillRef idx="0">
+            <a:scrgbClr r="0" g="0" b="0"/>
+          </a:fillRef>
+          <a:effectRef idx="0">
+            <a:scrgbClr r="0" g="0" b="0"/>
+          </a:effectRef>
+          <a:fontRef idx="minor">
+            <a:schemeClr val="lt1"/>
+          </a:fontRef>
+        </p:style>
+        <p:txBody>
+          <a:bodyPr rtlCol="0" anchor="ctr"/>
+          <a:lstStyle/>
+          <a:p>
+            <a:pPr algn="ctr">
+              <a:spcAft>
+                <a:spcPts val="800"/>
+              </a:spcAft>
+            </a:pPr>
+            <a:r>
+              <a:rPr lang="th-TH" sz="1600" b="1" dirty="0">
+                <a:solidFill>
+                  <a:schemeClr val="bg1"/>
+                </a:solidFill>
+                <a:effectLst/>
+                <a:latin typeface="TH SarabunPSK" panose="020B0500040200020003" pitchFamily="34" charset="-34"/>
+                <a:ea typeface="Calibri" panose="020F0502020204030204" pitchFamily="34" charset="0"/>
+                <a:cs typeface="TH SarabunPSK" panose="020B0500040200020003" pitchFamily="34" charset="-34"/>
+              </a:rPr>
+              <a:t>โรงเพาะเห็ดอัจฉริยะโดยใช้เทคโนโลยีการสื่อสารไร้สายระยะไกล</a:t>
+            </a:r>
+            <a:endParaRPr lang="en-US" sz="1600" b="1" dirty="0">
+              <a:solidFill>
+                <a:schemeClr val="bg1"/>
+              </a:solidFill>
+              <a:effectLst/>
+              <a:latin typeface="TH SarabunPSK" panose="020B0500040200020003" pitchFamily="34" charset="-34"/>
+              <a:ea typeface="Calibri" panose="020F0502020204030204" pitchFamily="34" charset="0"/>
+              <a:cs typeface="TH SarabunPSK" panose="020B0500040200020003" pitchFamily="34" charset="-34"/>
+            </a:endParaRPr>
+          </a:p>
+          <a:p>
+            <a:pPr algn="ctr">
+              <a:spcAft>
+                <a:spcPts val="800"/>
+              </a:spcAft>
+            </a:pPr>
+            <a:r>
+              <a:rPr lang="en-US" sz="1600" b="1" dirty="0">
+                <a:solidFill>
+                  <a:schemeClr val="bg1"/>
+                </a:solidFill>
+                <a:effectLst/>
+                <a:latin typeface="TH SarabunPSK" panose="020B0500040200020003" pitchFamily="34" charset="-34"/>
+                <a:ea typeface="Calibri" panose="020F0502020204030204" pitchFamily="34" charset="0"/>
+                <a:cs typeface="TH SarabunPSK" panose="020B0500040200020003" pitchFamily="34" charset="-34"/>
+              </a:rPr>
+              <a:t>Smart Mushroom Farm using Long Range Wireless Communication Technology</a:t>
+            </a:r>
+          </a:p>
+          <a:p>
+            <a:pPr algn="ctr">
+              <a:spcAft>
+                <a:spcPts val="800"/>
+              </a:spcAft>
+            </a:pPr>
+            <a:r>
+              <a:rPr lang="th-TH" sz="1600" b="1" dirty="0" err="1">
+                <a:solidFill>
+                  <a:schemeClr val="bg1"/>
+                </a:solidFill>
+                <a:effectLst/>
+                <a:latin typeface="TH SarabunPSK" panose="020B0500040200020003" pitchFamily="34" charset="-34"/>
+                <a:ea typeface="Calibri" panose="020F0502020204030204" pitchFamily="34" charset="0"/>
+                <a:cs typeface="TH SarabunPSK" panose="020B0500040200020003" pitchFamily="34" charset="-34"/>
+              </a:rPr>
+              <a:t>นริ</a:t>
+            </a:r>
+            <a:r>
+              <a:rPr lang="th-TH" sz="1600" b="1" dirty="0">
+                <a:solidFill>
+                  <a:schemeClr val="bg1"/>
+                </a:solidFill>
+                <a:effectLst/>
+                <a:latin typeface="TH SarabunPSK" panose="020B0500040200020003" pitchFamily="34" charset="-34"/>
+                <a:ea typeface="Calibri" panose="020F0502020204030204" pitchFamily="34" charset="0"/>
+                <a:cs typeface="TH SarabunPSK" panose="020B0500040200020003" pitchFamily="34" charset="-34"/>
+              </a:rPr>
+              <a:t>นทร สอนชัยภูมิ และ </a:t>
+            </a:r>
+            <a:r>
+              <a:rPr lang="th-TH" sz="1600" b="1" cap="all" dirty="0" err="1">
+                <a:solidFill>
+                  <a:schemeClr val="bg1"/>
+                </a:solidFill>
+                <a:effectLst/>
+                <a:latin typeface="TH SarabunPSK" panose="020B0500040200020003" pitchFamily="34" charset="-34"/>
+                <a:ea typeface="Times New Roman" panose="02020603050405020304" pitchFamily="18" charset="0"/>
+                <a:cs typeface="TH SarabunPSK" panose="020B0500040200020003" pitchFamily="34" charset="-34"/>
+              </a:rPr>
+              <a:t>วรรร</a:t>
+            </a:r>
+            <a:r>
+              <a:rPr lang="th-TH" sz="1600" b="1" cap="all" dirty="0">
+                <a:solidFill>
+                  <a:schemeClr val="bg1"/>
+                </a:solidFill>
+                <a:effectLst/>
+                <a:latin typeface="TH SarabunPSK" panose="020B0500040200020003" pitchFamily="34" charset="-34"/>
+                <a:ea typeface="Times New Roman" panose="02020603050405020304" pitchFamily="18" charset="0"/>
+                <a:cs typeface="TH SarabunPSK" panose="020B0500040200020003" pitchFamily="34" charset="-34"/>
+              </a:rPr>
+              <a:t>ณณรงค์  สถิตวิทยกูล</a:t>
+            </a:r>
+          </a:p>
+          <a:p>
+            <a:pPr algn="ctr">
+              <a:spcAft>
+                <a:spcPts val="800"/>
+              </a:spcAft>
+            </a:pPr>
+            <a:r>
+              <a:rPr lang="th-TH" sz="1600" b="1" dirty="0">
+                <a:solidFill>
+                  <a:schemeClr val="bg1"/>
+                </a:solidFill>
+                <a:effectLst/>
+                <a:latin typeface="TH SarabunPSK" panose="020B0500040200020003" pitchFamily="34" charset="-34"/>
+                <a:ea typeface="Calibri" panose="020F0502020204030204" pitchFamily="34" charset="0"/>
+                <a:cs typeface="TH SarabunPSK" panose="020B0500040200020003" pitchFamily="34" charset="-34"/>
+              </a:rPr>
+              <a:t>สาขาวิชาวิศวกรรมคอมพิวเตอร์ คณะวิศวกรรมศาสตร์ มหาวิทยาลัยเทคโนโลยีราชมงคลอีสาน วิทยาเขตขอนแก่น</a:t>
+            </a:r>
+            <a:endParaRPr lang="en-US" sz="1600" b="1" dirty="0">
+              <a:solidFill>
+                <a:schemeClr val="bg1"/>
+              </a:solidFill>
+              <a:effectLst/>
+              <a:latin typeface="TH SarabunPSK" panose="020B0500040200020003" pitchFamily="34" charset="-34"/>
+              <a:ea typeface="Calibri" panose="020F0502020204030204" pitchFamily="34" charset="0"/>
+              <a:cs typeface="TH SarabunPSK" panose="020B0500040200020003" pitchFamily="34" charset="-34"/>
+            </a:endParaRPr>
+          </a:p>
+        </p:txBody>
+      </p:sp>
+      <p:pic>
+        <p:nvPicPr>
+          <p:cNvPr id="1026" name="Picture 2">
+            <a:extLst>
+              <a:ext uri="{FF2B5EF4-FFF2-40B4-BE49-F238E27FC236}">
+                <a16:creationId xmlns:a16="http://schemas.microsoft.com/office/drawing/2014/main" id="{3924D3B1-E01A-4F85-96E3-9CC79051784D}"/>
+              </a:ext>
+            </a:extLst>
+          </p:cNvPr>
+          <p:cNvPicPr>
+            <a:picLocks noChangeAspect="1" noChangeArrowheads="1"/>
+          </p:cNvPicPr>
+          <p:nvPr/>
+        </p:nvPicPr>
+        <p:blipFill>
+          <a:blip r:embed="rId2">
+            <a:extLst>
+              <a:ext uri="{28A0092B-C50C-407E-A947-70E740481C1C}">
+                <a14:useLocalDpi xmlns:a14="http://schemas.microsoft.com/office/drawing/2010/main" val="0"/>
+              </a:ext>
+            </a:extLst>
+          </a:blip>
+          <a:srcRect/>
+          <a:stretch>
+            <a:fillRect/>
+          </a:stretch>
+        </p:blipFill>
+        <p:spPr bwMode="auto">
+          <a:xfrm>
+            <a:off x="-2545080" y="3215640"/>
+            <a:ext cx="1267968" cy="594360"/>
+          </a:xfrm>
+          <a:prstGeom prst="rect">
+            <a:avLst/>
+          </a:prstGeom>
+          <a:noFill/>
+          <a:extLst>
+            <a:ext uri="{909E8E84-426E-40DD-AFC4-6F175D3DCCD1}">
+              <a14:hiddenFill xmlns:a14="http://schemas.microsoft.com/office/drawing/2010/main">
+                <a:solidFill>
+                  <a:srgbClr val="FFFFFF"/>
+                </a:solidFill>
+              </a14:hiddenFill>
+            </a:ext>
+          </a:extLst>
+        </p:spPr>
+      </p:pic>
+      <p:pic>
+        <p:nvPicPr>
+          <p:cNvPr id="76" name="Picture 2">
+            <a:extLst>
+              <a:ext uri="{FF2B5EF4-FFF2-40B4-BE49-F238E27FC236}">
+                <a16:creationId xmlns:a16="http://schemas.microsoft.com/office/drawing/2014/main" id="{C9274881-EF42-4A30-BDCC-351F702A4999}"/>
+              </a:ext>
+            </a:extLst>
+          </p:cNvPr>
+          <p:cNvPicPr/>
+          <p:nvPr/>
+        </p:nvPicPr>
+        <p:blipFill>
+          <a:blip r:embed="rId3" cstate="print">
+            <a:extLst>
+              <a:ext uri="{28A0092B-C50C-407E-A947-70E740481C1C}">
+                <a14:useLocalDpi xmlns:a14="http://schemas.microsoft.com/office/drawing/2010/main" val="0"/>
+              </a:ext>
+            </a:extLst>
+          </a:blip>
+          <a:srcRect/>
+          <a:stretch>
+            <a:fillRect/>
+          </a:stretch>
+        </p:blipFill>
+        <p:spPr bwMode="auto">
+          <a:xfrm>
+            <a:off x="114300" y="0"/>
+            <a:ext cx="647700" cy="1209578"/>
+          </a:xfrm>
+          <a:prstGeom prst="rect">
+            <a:avLst/>
+          </a:prstGeom>
+          <a:noFill/>
+          <a:ln>
+            <a:noFill/>
+          </a:ln>
+        </p:spPr>
+      </p:pic>
+      <p:sp>
+        <p:nvSpPr>
+          <p:cNvPr id="79" name="สี่เหลี่ยมผืนผ้า 78">
+            <a:extLst>
+              <a:ext uri="{FF2B5EF4-FFF2-40B4-BE49-F238E27FC236}">
+                <a16:creationId xmlns:a16="http://schemas.microsoft.com/office/drawing/2014/main" id="{D6ECF269-C1B5-44F4-A5CD-C245363C77A3}"/>
+              </a:ext>
+            </a:extLst>
+          </p:cNvPr>
+          <p:cNvSpPr/>
+          <p:nvPr/>
+        </p:nvSpPr>
+        <p:spPr>
+          <a:xfrm>
+            <a:off x="0" y="1546860"/>
+            <a:ext cx="3429000" cy="8359139"/>
+          </a:xfrm>
+          <a:prstGeom prst="rect">
+            <a:avLst/>
+          </a:prstGeom>
+          <a:solidFill>
+            <a:schemeClr val="tx1">
+              <a:lumMod val="85000"/>
+            </a:schemeClr>
+          </a:solidFill>
+        </p:spPr>
+        <p:style>
+          <a:lnRef idx="2">
+            <a:schemeClr val="accent1">
+              <a:shade val="50000"/>
+            </a:schemeClr>
+          </a:lnRef>
+          <a:fillRef idx="1">
+            <a:schemeClr val="accent1"/>
+          </a:fillRef>
+          <a:effectRef idx="0">
+            <a:schemeClr val="accent1"/>
+          </a:effectRef>
+          <a:fontRef idx="minor">
+            <a:schemeClr val="lt1"/>
+          </a:fontRef>
+        </p:style>
+        <p:txBody>
+          <a:bodyPr rtlCol="0" anchor="ctr"/>
+          <a:lstStyle/>
+          <a:p>
+            <a:pPr algn="ctr">
+              <a:lnSpc>
+                <a:spcPct val="107000"/>
+              </a:lnSpc>
+              <a:spcAft>
+                <a:spcPts val="800"/>
+              </a:spcAft>
+              <a:tabLst>
+                <a:tab pos="648335" algn="l"/>
+                <a:tab pos="1008380" algn="l"/>
+                <a:tab pos="1368425" algn="l"/>
+              </a:tabLst>
+            </a:pPr>
+            <a:r>
+              <a:rPr lang="th-TH" sz="1100" b="1" dirty="0">
+                <a:solidFill>
+                  <a:schemeClr val="bg1"/>
+                </a:solidFill>
+                <a:effectLst/>
+                <a:latin typeface="TH SarabunPSK" panose="020B0500040200020003" pitchFamily="34" charset="-34"/>
+                <a:ea typeface="Calibri" panose="020F0502020204030204" pitchFamily="34" charset="0"/>
+                <a:cs typeface="TH SarabunPSK" panose="020B0500040200020003" pitchFamily="34" charset="-34"/>
+              </a:rPr>
+              <a:t>บทคัดย่อ</a:t>
+            </a:r>
+            <a:endParaRPr lang="en-US" sz="1100" dirty="0">
+              <a:solidFill>
+                <a:schemeClr val="bg1"/>
+              </a:solidFill>
+              <a:effectLst/>
+              <a:latin typeface="TH SarabunPSK" panose="020B0500040200020003" pitchFamily="34" charset="-34"/>
+              <a:ea typeface="Calibri" panose="020F0502020204030204" pitchFamily="34" charset="0"/>
+              <a:cs typeface="TH SarabunPSK" panose="020B0500040200020003" pitchFamily="34" charset="-34"/>
+            </a:endParaRPr>
+          </a:p>
+          <a:p>
+            <a:pPr indent="648335" algn="thaiDist">
+              <a:lnSpc>
+                <a:spcPct val="107000"/>
+              </a:lnSpc>
+              <a:spcAft>
+                <a:spcPts val="800"/>
+              </a:spcAft>
+            </a:pPr>
+            <a:r>
+              <a:rPr lang="th-TH" sz="1100" dirty="0">
+                <a:solidFill>
+                  <a:schemeClr val="bg1"/>
+                </a:solidFill>
+                <a:effectLst/>
+                <a:latin typeface="TH SarabunPSK" panose="020B0500040200020003" pitchFamily="34" charset="-34"/>
+                <a:ea typeface="Calibri" panose="020F0502020204030204" pitchFamily="34" charset="0"/>
+                <a:cs typeface="TH SarabunPSK" panose="020B0500040200020003" pitchFamily="34" charset="-34"/>
+              </a:rPr>
+              <a:t>ปริญญานิพนธ์นี้วัตถุประสงค์เพื่อออกแบบและสร้างโรงเพาะเห็ด ที่สามารถควบคุมสภาพแวดล้อมภายในโรงเรือนให้เหมาะสมต่อการออกดอกของเห็ดผ่านทางเว็บแอปพลิเคชันและวินโดว์แอปพลิเคชันเพื่อติดตามตรวจสอบและควบคุมระบบ และได้ประยุกต์ใช้งาน </a:t>
+            </a:r>
+            <a:r>
+              <a:rPr lang="en-US" sz="1100" dirty="0">
+                <a:solidFill>
+                  <a:schemeClr val="bg1"/>
+                </a:solidFill>
+                <a:effectLst/>
+                <a:latin typeface="TH SarabunPSK" panose="020B0500040200020003" pitchFamily="34" charset="-34"/>
+                <a:ea typeface="Calibri" panose="020F0502020204030204" pitchFamily="34" charset="0"/>
+                <a:cs typeface="TH SarabunPSK" panose="020B0500040200020003" pitchFamily="34" charset="-34"/>
+              </a:rPr>
+              <a:t>LoRa </a:t>
+            </a:r>
+            <a:r>
+              <a:rPr lang="th-TH" sz="1100" dirty="0">
+                <a:solidFill>
+                  <a:schemeClr val="bg1"/>
+                </a:solidFill>
+                <a:effectLst/>
+                <a:latin typeface="TH SarabunPSK" panose="020B0500040200020003" pitchFamily="34" charset="-34"/>
+                <a:ea typeface="Calibri" panose="020F0502020204030204" pitchFamily="34" charset="0"/>
+                <a:cs typeface="TH SarabunPSK" panose="020B0500040200020003" pitchFamily="34" charset="-34"/>
+              </a:rPr>
+              <a:t>เพื่อเป็นตัวกลางการสื่อสารระหว่างโรงเรือนเพาะเห็ดและพื้นที่ที่มีสัญญาณอินเทอร์เน็ตเพื่อแก้ปัญหาสถานที่ตั้งของโรงเรือนที่อยู่ห่างไกลจากพื้นที่ครอบคลุมของสัญญาณอินเทอร์เน็ต</a:t>
+            </a:r>
+            <a:endParaRPr lang="en-US" sz="1100" dirty="0">
+              <a:solidFill>
+                <a:schemeClr val="bg1"/>
+              </a:solidFill>
+              <a:effectLst/>
+              <a:latin typeface="TH SarabunPSK" panose="020B0500040200020003" pitchFamily="34" charset="-34"/>
+              <a:ea typeface="Calibri" panose="020F0502020204030204" pitchFamily="34" charset="0"/>
+              <a:cs typeface="TH SarabunPSK" panose="020B0500040200020003" pitchFamily="34" charset="-34"/>
+            </a:endParaRPr>
+          </a:p>
+          <a:p>
+            <a:pPr indent="648335" algn="thaiDist">
+              <a:lnSpc>
+                <a:spcPct val="107000"/>
+              </a:lnSpc>
+              <a:spcAft>
+                <a:spcPts val="800"/>
+              </a:spcAft>
+            </a:pPr>
+            <a:r>
+              <a:rPr lang="th-TH" sz="1100" dirty="0">
+                <a:solidFill>
+                  <a:schemeClr val="bg1"/>
+                </a:solidFill>
+                <a:effectLst/>
+                <a:latin typeface="TH SarabunPSK" panose="020B0500040200020003" pitchFamily="34" charset="-34"/>
+                <a:ea typeface="Calibri" panose="020F0502020204030204" pitchFamily="34" charset="0"/>
+                <a:cs typeface="TH SarabunPSK" panose="020B0500040200020003" pitchFamily="34" charset="-34"/>
+              </a:rPr>
+              <a:t>ระบบควบคุมสภาพแวดล้อมภายในโรงเรือนประกอบไปด้วยไมโครคอนโทรลเลอร์ (</a:t>
+            </a:r>
+            <a:r>
+              <a:rPr lang="en-US" sz="1100" dirty="0">
+                <a:solidFill>
+                  <a:schemeClr val="bg1"/>
+                </a:solidFill>
+                <a:effectLst/>
+                <a:latin typeface="TH SarabunPSK" panose="020B0500040200020003" pitchFamily="34" charset="-34"/>
+                <a:ea typeface="Calibri" panose="020F0502020204030204" pitchFamily="34" charset="0"/>
+                <a:cs typeface="TH SarabunPSK" panose="020B0500040200020003" pitchFamily="34" charset="-34"/>
+              </a:rPr>
+              <a:t>ESP32LoRa) </a:t>
+            </a:r>
+            <a:r>
+              <a:rPr lang="th-TH" sz="1100" dirty="0">
+                <a:solidFill>
+                  <a:schemeClr val="bg1"/>
+                </a:solidFill>
+                <a:effectLst/>
+                <a:latin typeface="TH SarabunPSK" panose="020B0500040200020003" pitchFamily="34" charset="-34"/>
+                <a:ea typeface="Calibri" panose="020F0502020204030204" pitchFamily="34" charset="0"/>
+                <a:cs typeface="TH SarabunPSK" panose="020B0500040200020003" pitchFamily="34" charset="-34"/>
+              </a:rPr>
+              <a:t>ซึ่งเป็นตัวควบคุมระบบทั้งหมด โดยใช้เซนเซอร์ </a:t>
+            </a:r>
+            <a:r>
+              <a:rPr lang="en-US" sz="1100" dirty="0">
+                <a:solidFill>
+                  <a:schemeClr val="bg1"/>
+                </a:solidFill>
+                <a:effectLst/>
+                <a:latin typeface="TH SarabunPSK" panose="020B0500040200020003" pitchFamily="34" charset="-34"/>
+                <a:ea typeface="Calibri" panose="020F0502020204030204" pitchFamily="34" charset="0"/>
+                <a:cs typeface="TH SarabunPSK" panose="020B0500040200020003" pitchFamily="34" charset="-34"/>
+              </a:rPr>
+              <a:t>AM2315 </a:t>
+            </a:r>
+            <a:r>
+              <a:rPr lang="th-TH" sz="1100" dirty="0">
+                <a:solidFill>
+                  <a:schemeClr val="bg1"/>
+                </a:solidFill>
+                <a:effectLst/>
+                <a:latin typeface="TH SarabunPSK" panose="020B0500040200020003" pitchFamily="34" charset="-34"/>
+                <a:ea typeface="Calibri" panose="020F0502020204030204" pitchFamily="34" charset="0"/>
+                <a:cs typeface="TH SarabunPSK" panose="020B0500040200020003" pitchFamily="34" charset="-34"/>
+              </a:rPr>
+              <a:t>วัดอุณหภูมิและความชื้น</a:t>
+            </a:r>
+            <a:r>
+              <a:rPr lang="en-US" sz="1100" dirty="0">
+                <a:solidFill>
+                  <a:schemeClr val="bg1"/>
+                </a:solidFill>
+                <a:effectLst/>
+                <a:latin typeface="TH SarabunPSK" panose="020B0500040200020003" pitchFamily="34" charset="-34"/>
+                <a:ea typeface="Calibri" panose="020F0502020204030204" pitchFamily="34" charset="0"/>
+                <a:cs typeface="TH SarabunPSK" panose="020B0500040200020003" pitchFamily="34" charset="-34"/>
+              </a:rPr>
+              <a:t>BH1750FVI</a:t>
+            </a:r>
+            <a:r>
+              <a:rPr lang="th-TH" sz="1100" dirty="0">
+                <a:solidFill>
+                  <a:schemeClr val="bg1"/>
+                </a:solidFill>
+                <a:effectLst/>
+                <a:latin typeface="TH SarabunPSK" panose="020B0500040200020003" pitchFamily="34" charset="-34"/>
+                <a:ea typeface="Calibri" panose="020F0502020204030204" pitchFamily="34" charset="0"/>
+                <a:cs typeface="TH SarabunPSK" panose="020B0500040200020003" pitchFamily="34" charset="-34"/>
+              </a:rPr>
+              <a:t> วัดความสว่าง โดยมีอุปกรณ์ที่ใช้ในการควบคุมสภาพแวดล้อม เช่น พัดลม ปั๊ม หลอดไฟ และได้ประยุกต์ใช้งานตัวต้านทานตรวจสอบกระแส (</a:t>
+            </a:r>
+            <a:r>
+              <a:rPr lang="en-US" sz="1100" dirty="0">
+                <a:solidFill>
+                  <a:schemeClr val="bg1"/>
+                </a:solidFill>
+                <a:effectLst/>
+                <a:latin typeface="TH SarabunPSK" panose="020B0500040200020003" pitchFamily="34" charset="-34"/>
+                <a:ea typeface="Calibri" panose="020F0502020204030204" pitchFamily="34" charset="0"/>
+                <a:cs typeface="TH SarabunPSK" panose="020B0500040200020003" pitchFamily="34" charset="-34"/>
+              </a:rPr>
+              <a:t>Current Sense Resistors) </a:t>
+            </a:r>
+            <a:r>
+              <a:rPr lang="th-TH" sz="1100" dirty="0">
+                <a:solidFill>
+                  <a:schemeClr val="bg1"/>
+                </a:solidFill>
+                <a:effectLst/>
+                <a:latin typeface="TH SarabunPSK" panose="020B0500040200020003" pitchFamily="34" charset="-34"/>
+                <a:ea typeface="Calibri" panose="020F0502020204030204" pitchFamily="34" charset="0"/>
+                <a:cs typeface="TH SarabunPSK" panose="020B0500040200020003" pitchFamily="34" charset="-34"/>
+              </a:rPr>
+              <a:t>เพื่อตรวจสอบสถานะการทำงานของอุปกรณ์ ส่วนของเว็บแอปพลิเคชันใช้ไมโครคอนโทรลเลอร์ (</a:t>
+            </a:r>
+            <a:r>
+              <a:rPr lang="en-US" sz="1100" dirty="0">
+                <a:solidFill>
+                  <a:schemeClr val="bg1"/>
+                </a:solidFill>
+                <a:effectLst/>
+                <a:latin typeface="TH SarabunPSK" panose="020B0500040200020003" pitchFamily="34" charset="-34"/>
+                <a:ea typeface="Calibri" panose="020F0502020204030204" pitchFamily="34" charset="0"/>
+                <a:cs typeface="TH SarabunPSK" panose="020B0500040200020003" pitchFamily="34" charset="-34"/>
+              </a:rPr>
+              <a:t>ESP32LoRa) </a:t>
+            </a:r>
+            <a:r>
+              <a:rPr lang="th-TH" sz="1100" dirty="0">
+                <a:solidFill>
+                  <a:schemeClr val="bg1"/>
+                </a:solidFill>
+                <a:effectLst/>
+                <a:latin typeface="TH SarabunPSK" panose="020B0500040200020003" pitchFamily="34" charset="-34"/>
+                <a:ea typeface="Calibri" panose="020F0502020204030204" pitchFamily="34" charset="0"/>
+                <a:cs typeface="TH SarabunPSK" panose="020B0500040200020003" pitchFamily="34" charset="-34"/>
+              </a:rPr>
+              <a:t>เป็น </a:t>
+            </a:r>
+            <a:r>
+              <a:rPr lang="en-US" sz="1100" dirty="0">
+                <a:solidFill>
+                  <a:schemeClr val="bg1"/>
+                </a:solidFill>
+                <a:effectLst/>
+                <a:latin typeface="TH SarabunPSK" panose="020B0500040200020003" pitchFamily="34" charset="-34"/>
+                <a:ea typeface="Calibri" panose="020F0502020204030204" pitchFamily="34" charset="0"/>
+                <a:cs typeface="TH SarabunPSK" panose="020B0500040200020003" pitchFamily="34" charset="-34"/>
+              </a:rPr>
+              <a:t>Web Server </a:t>
+            </a:r>
+            <a:r>
+              <a:rPr lang="th-TH" sz="1100" dirty="0">
+                <a:solidFill>
+                  <a:schemeClr val="bg1"/>
+                </a:solidFill>
+                <a:effectLst/>
+                <a:latin typeface="TH SarabunPSK" panose="020B0500040200020003" pitchFamily="34" charset="-34"/>
+                <a:ea typeface="Calibri" panose="020F0502020204030204" pitchFamily="34" charset="0"/>
+                <a:cs typeface="TH SarabunPSK" panose="020B0500040200020003" pitchFamily="34" charset="-34"/>
+              </a:rPr>
+              <a:t>และใช้แอปพลิเคชัน </a:t>
+            </a:r>
+            <a:r>
+              <a:rPr lang="en-US" sz="1100" dirty="0" err="1">
+                <a:solidFill>
+                  <a:schemeClr val="bg1"/>
+                </a:solidFill>
+                <a:effectLst/>
+                <a:latin typeface="TH SarabunPSK" panose="020B0500040200020003" pitchFamily="34" charset="-34"/>
+                <a:ea typeface="Calibri" panose="020F0502020204030204" pitchFamily="34" charset="0"/>
+                <a:cs typeface="TH SarabunPSK" panose="020B0500040200020003" pitchFamily="34" charset="-34"/>
+              </a:rPr>
+              <a:t>ngrok</a:t>
+            </a:r>
+            <a:r>
+              <a:rPr lang="en-US" sz="1100" dirty="0">
+                <a:solidFill>
+                  <a:schemeClr val="bg1"/>
+                </a:solidFill>
+                <a:effectLst/>
+                <a:latin typeface="TH SarabunPSK" panose="020B0500040200020003" pitchFamily="34" charset="-34"/>
+                <a:ea typeface="Calibri" panose="020F0502020204030204" pitchFamily="34" charset="0"/>
+                <a:cs typeface="TH SarabunPSK" panose="020B0500040200020003" pitchFamily="34" charset="-34"/>
+              </a:rPr>
+              <a:t> </a:t>
+            </a:r>
+            <a:r>
+              <a:rPr lang="th-TH" sz="1100" dirty="0">
+                <a:solidFill>
+                  <a:schemeClr val="bg1"/>
+                </a:solidFill>
+                <a:effectLst/>
+                <a:latin typeface="TH SarabunPSK" panose="020B0500040200020003" pitchFamily="34" charset="-34"/>
+                <a:ea typeface="Calibri" panose="020F0502020204030204" pitchFamily="34" charset="0"/>
+                <a:cs typeface="TH SarabunPSK" panose="020B0500040200020003" pitchFamily="34" charset="-34"/>
+              </a:rPr>
+              <a:t>ที่ติดไว้บน </a:t>
+            </a:r>
+            <a:r>
+              <a:rPr lang="en-US" sz="1100" dirty="0">
+                <a:solidFill>
+                  <a:schemeClr val="bg1"/>
+                </a:solidFill>
+                <a:effectLst/>
+                <a:latin typeface="TH SarabunPSK" panose="020B0500040200020003" pitchFamily="34" charset="-34"/>
+                <a:ea typeface="Calibri" panose="020F0502020204030204" pitchFamily="34" charset="0"/>
+                <a:cs typeface="TH SarabunPSK" panose="020B0500040200020003" pitchFamily="34" charset="-34"/>
+              </a:rPr>
+              <a:t>Raspberry Pi</a:t>
+            </a:r>
+            <a:r>
+              <a:rPr lang="th-TH" sz="1100" dirty="0">
+                <a:solidFill>
+                  <a:schemeClr val="bg1"/>
+                </a:solidFill>
+                <a:effectLst/>
+                <a:latin typeface="TH SarabunPSK" panose="020B0500040200020003" pitchFamily="34" charset="-34"/>
+                <a:ea typeface="Calibri" panose="020F0502020204030204" pitchFamily="34" charset="0"/>
+                <a:cs typeface="TH SarabunPSK" panose="020B0500040200020003" pitchFamily="34" charset="-34"/>
+              </a:rPr>
+              <a:t> ทำ </a:t>
+            </a:r>
+            <a:r>
+              <a:rPr lang="en-US" sz="1100" dirty="0">
+                <a:solidFill>
+                  <a:schemeClr val="bg1"/>
+                </a:solidFill>
+                <a:effectLst/>
+                <a:latin typeface="TH SarabunPSK" panose="020B0500040200020003" pitchFamily="34" charset="-34"/>
+                <a:ea typeface="Calibri" panose="020F0502020204030204" pitchFamily="34" charset="0"/>
+                <a:cs typeface="TH SarabunPSK" panose="020B0500040200020003" pitchFamily="34" charset="-34"/>
+              </a:rPr>
+              <a:t>Port forwarding </a:t>
+            </a:r>
+            <a:r>
+              <a:rPr lang="th-TH" sz="1100" dirty="0">
+                <a:solidFill>
+                  <a:schemeClr val="bg1"/>
+                </a:solidFill>
+                <a:effectLst/>
+                <a:latin typeface="TH SarabunPSK" panose="020B0500040200020003" pitchFamily="34" charset="-34"/>
+                <a:ea typeface="Calibri" panose="020F0502020204030204" pitchFamily="34" charset="0"/>
+                <a:cs typeface="TH SarabunPSK" panose="020B0500040200020003" pitchFamily="34" charset="-34"/>
+              </a:rPr>
+              <a:t>เพื่อให้สามารถใช้งานเว็บแอปพลิเคชันได้จากทุกที่ที่สามารถเข้าถึงอินเทอร์เน็ต ส่วนของวินโดว์แอปพลิเคชันสามารถติดตามตรวจสอบและควบคุมโรงเรือนผ่านท่าง </a:t>
+            </a:r>
+            <a:r>
+              <a:rPr lang="en-US" sz="1100" dirty="0">
+                <a:solidFill>
+                  <a:schemeClr val="bg1"/>
+                </a:solidFill>
+                <a:effectLst/>
+                <a:latin typeface="TH SarabunPSK" panose="020B0500040200020003" pitchFamily="34" charset="-34"/>
+                <a:ea typeface="Calibri" panose="020F0502020204030204" pitchFamily="34" charset="0"/>
+                <a:cs typeface="TH SarabunPSK" panose="020B0500040200020003" pitchFamily="34" charset="-34"/>
+              </a:rPr>
+              <a:t>Serial Port</a:t>
+            </a:r>
+            <a:r>
+              <a:rPr lang="th-TH" sz="1100" dirty="0">
+                <a:solidFill>
+                  <a:schemeClr val="bg1"/>
+                </a:solidFill>
+                <a:effectLst/>
+                <a:latin typeface="TH SarabunPSK" panose="020B0500040200020003" pitchFamily="34" charset="-34"/>
+                <a:ea typeface="Calibri" panose="020F0502020204030204" pitchFamily="34" charset="0"/>
+                <a:cs typeface="TH SarabunPSK" panose="020B0500040200020003" pitchFamily="34" charset="-34"/>
+              </a:rPr>
+              <a:t> ระหว่าง ไมโครคอนโทรลเลอร์และคอมพิวเตอร์</a:t>
+            </a:r>
+            <a:endParaRPr lang="en-US" sz="1100" dirty="0">
+              <a:solidFill>
+                <a:schemeClr val="bg1"/>
+              </a:solidFill>
+              <a:effectLst/>
+              <a:latin typeface="TH SarabunPSK" panose="020B0500040200020003" pitchFamily="34" charset="-34"/>
+              <a:ea typeface="Calibri" panose="020F0502020204030204" pitchFamily="34" charset="0"/>
+              <a:cs typeface="TH SarabunPSK" panose="020B0500040200020003" pitchFamily="34" charset="-34"/>
+            </a:endParaRPr>
+          </a:p>
+          <a:p>
+            <a:pPr indent="648335" algn="thaiDist">
+              <a:lnSpc>
+                <a:spcPct val="107000"/>
+              </a:lnSpc>
+              <a:spcAft>
+                <a:spcPts val="800"/>
+              </a:spcAft>
+            </a:pPr>
+            <a:r>
+              <a:rPr lang="th-TH" sz="1100" dirty="0">
+                <a:solidFill>
+                  <a:schemeClr val="bg1"/>
+                </a:solidFill>
+                <a:effectLst/>
+                <a:latin typeface="TH SarabunPSK" panose="020B0500040200020003" pitchFamily="34" charset="-34"/>
+                <a:ea typeface="Calibri" panose="020F0502020204030204" pitchFamily="34" charset="0"/>
+                <a:cs typeface="TH SarabunPSK" panose="020B0500040200020003" pitchFamily="34" charset="-34"/>
+              </a:rPr>
+              <a:t>สรุปผลการดำเนินงาน การทดลองการทำงานของระบบสามารถทำงานได้ดี การทดลองเพาะเห็ดใช้เห็ดนางฟ้าใน</a:t>
+            </a:r>
+            <a:r>
+              <a:rPr lang="th-TH" sz="1100" dirty="0" err="1">
+                <a:solidFill>
+                  <a:schemeClr val="bg1"/>
+                </a:solidFill>
+                <a:effectLst/>
+                <a:latin typeface="TH SarabunPSK" panose="020B0500040200020003" pitchFamily="34" charset="-34"/>
+                <a:ea typeface="Calibri" panose="020F0502020204030204" pitchFamily="34" charset="0"/>
+                <a:cs typeface="TH SarabunPSK" panose="020B0500040200020003" pitchFamily="34" charset="-34"/>
+              </a:rPr>
+              <a:t>การทำ</a:t>
+            </a:r>
+            <a:r>
+              <a:rPr lang="th-TH" sz="1100" dirty="0">
+                <a:solidFill>
+                  <a:schemeClr val="bg1"/>
+                </a:solidFill>
+                <a:effectLst/>
+                <a:latin typeface="TH SarabunPSK" panose="020B0500040200020003" pitchFamily="34" charset="-34"/>
+                <a:ea typeface="Calibri" panose="020F0502020204030204" pitchFamily="34" charset="0"/>
+                <a:cs typeface="TH SarabunPSK" panose="020B0500040200020003" pitchFamily="34" charset="-34"/>
+              </a:rPr>
+              <a:t>การทดลองทั้งหมด 14 วันสามารถสรุปผลการทดลองได้ดังนี้ โรงเรือนที่ควบคุมสภาพแวดล้อม มีความกว้างของดอกเฉลี่ยเท่ากับ 7.66 เซนติเมตร มีน้ำหนักทั้งหมดเท่ากับ 1.06 กิโลกรัม โรงเรือนที่ไม่มีการควบคุมสภาพแวดล้อมมีความกว้างของดอกเฉลี่ยเท่ากับ 6.45 เซนติเมตร มีน้ำหนักทั้งหมดเท่ากับ 0.6 กิโลกรัม</a:t>
+            </a:r>
+            <a:endParaRPr lang="en-US" sz="1100" dirty="0">
+              <a:solidFill>
+                <a:schemeClr val="bg1"/>
+              </a:solidFill>
+              <a:effectLst/>
+              <a:latin typeface="TH SarabunPSK" panose="020B0500040200020003" pitchFamily="34" charset="-34"/>
+              <a:ea typeface="Calibri" panose="020F0502020204030204" pitchFamily="34" charset="0"/>
+              <a:cs typeface="TH SarabunPSK" panose="020B0500040200020003" pitchFamily="34" charset="-34"/>
+            </a:endParaRPr>
+          </a:p>
+        </p:txBody>
+      </p:sp>
+      <p:sp>
+        <p:nvSpPr>
+          <p:cNvPr id="82" name="สี่เหลี่ยมผืนผ้า 81">
+            <a:extLst>
+              <a:ext uri="{FF2B5EF4-FFF2-40B4-BE49-F238E27FC236}">
+                <a16:creationId xmlns:a16="http://schemas.microsoft.com/office/drawing/2014/main" id="{81AAE29E-54D6-4889-A82D-2260B2B9274D}"/>
+              </a:ext>
+            </a:extLst>
+          </p:cNvPr>
+          <p:cNvSpPr/>
+          <p:nvPr/>
+        </p:nvSpPr>
+        <p:spPr>
+          <a:xfrm>
+            <a:off x="3429000" y="1546860"/>
+            <a:ext cx="3429000" cy="8359139"/>
+          </a:xfrm>
+          <a:prstGeom prst="rect">
+            <a:avLst/>
+          </a:prstGeom>
+          <a:solidFill>
+            <a:schemeClr val="accent2">
+              <a:lumMod val="40000"/>
+              <a:lumOff val="60000"/>
+            </a:schemeClr>
+          </a:solidFill>
+        </p:spPr>
+        <p:style>
+          <a:lnRef idx="2">
+            <a:schemeClr val="accent1">
+              <a:shade val="50000"/>
+            </a:schemeClr>
+          </a:lnRef>
+          <a:fillRef idx="1">
+            <a:schemeClr val="accent1"/>
+          </a:fillRef>
+          <a:effectRef idx="0">
+            <a:schemeClr val="accent1"/>
+          </a:effectRef>
+          <a:fontRef idx="minor">
+            <a:schemeClr val="lt1"/>
+          </a:fontRef>
+        </p:style>
+        <p:txBody>
+          <a:bodyPr rtlCol="0" anchor="ctr"/>
+          <a:lstStyle/>
+          <a:p>
+            <a:pPr algn="ctr"/>
+            <a:endParaRPr lang="th-TH"/>
+          </a:p>
+        </p:txBody>
+      </p:sp>
     </p:spTree>
     <p:extLst>
       <p:ext uri="{BB962C8B-B14F-4D97-AF65-F5344CB8AC3E}">
@@ -2993,9 +4180,9 @@
 </file>
 
 <file path=ppt/theme/theme1.xml><?xml version="1.0" encoding="utf-8"?>
-<a:theme xmlns:a="http://schemas.openxmlformats.org/drawingml/2006/main" name="ธีมของ Office">
+<a:theme xmlns:a="http://schemas.openxmlformats.org/drawingml/2006/main" name="เป็นแถบสี">
   <a:themeElements>
-    <a:clrScheme name="ธีมของ Office">
+    <a:clrScheme name="ส้มอมเหลือง">
       <a:dk1>
         <a:sysClr val="windowText" lastClr="000000"/>
       </a:dk1>
@@ -3003,83 +4190,48 @@
         <a:sysClr val="window" lastClr="FFFFFF"/>
       </a:lt1>
       <a:dk2>
-        <a:srgbClr val="44546A"/>
+        <a:srgbClr val="4E3B30"/>
       </a:dk2>
       <a:lt2>
-        <a:srgbClr val="E7E6E6"/>
+        <a:srgbClr val="FBEEC9"/>
       </a:lt2>
       <a:accent1>
-        <a:srgbClr val="4472C4"/>
+        <a:srgbClr val="F0A22E"/>
       </a:accent1>
       <a:accent2>
-        <a:srgbClr val="ED7D31"/>
+        <a:srgbClr val="A5644E"/>
       </a:accent2>
       <a:accent3>
-        <a:srgbClr val="A5A5A5"/>
+        <a:srgbClr val="B58B80"/>
       </a:accent3>
       <a:accent4>
-        <a:srgbClr val="FFC000"/>
+        <a:srgbClr val="C3986D"/>
       </a:accent4>
       <a:accent5>
-        <a:srgbClr val="5B9BD5"/>
+        <a:srgbClr val="A19574"/>
       </a:accent5>
       <a:accent6>
-        <a:srgbClr val="70AD47"/>
+        <a:srgbClr val="C17529"/>
       </a:accent6>
       <a:hlink>
-        <a:srgbClr val="0563C1"/>
+        <a:srgbClr val="AD1F1F"/>
       </a:hlink>
       <a:folHlink>
-        <a:srgbClr val="954F72"/>
+        <a:srgbClr val="FFC42F"/>
       </a:folHlink>
     </a:clrScheme>
-    <a:fontScheme name="ธีมของ Office">
+    <a:fontScheme name="เป็นแถบสี">
       <a:majorFont>
-        <a:latin typeface="Calibri Light" panose="020F0302020204030204"/>
+        <a:latin typeface="Corbel" panose="020B0503020204020204"/>
         <a:ea typeface=""/>
         <a:cs typeface=""/>
-        <a:font script="Jpan" typeface="游ゴシック Light"/>
+        <a:font script="Jpan" typeface="ＭＳ ゴシック"/>
         <a:font script="Hang" typeface="맑은 고딕"/>
-        <a:font script="Hans" typeface="等线 Light"/>
+        <a:font script="Hans" typeface="宋体"/>
         <a:font script="Hant" typeface="新細明體"/>
-        <a:font script="Arab" typeface="Times New Roman"/>
-        <a:font script="Hebr" typeface="Times New Roman"/>
-        <a:font script="Thai" typeface="Angsana New"/>
-        <a:font script="Ethi" typeface="Nyala"/>
-        <a:font script="Beng" typeface="Vrinda"/>
-        <a:font script="Gujr" typeface="Shruti"/>
-        <a:font script="Khmr" typeface="MoolBoran"/>
-        <a:font script="Knda" typeface="Tunga"/>
-        <a:font script="Guru" typeface="Raavi"/>
-        <a:font script="Cans" typeface="Euphemia"/>
-        <a:font script="Cher" typeface="Plantagenet Cherokee"/>
-        <a:font script="Yiii" typeface="Microsoft Yi Baiti"/>
-        <a:font script="Tibt" typeface="Microsoft Himalaya"/>
-        <a:font script="Thaa" typeface="MV Boli"/>
-        <a:font script="Deva" typeface="Mangal"/>
-        <a:font script="Telu" typeface="Gautami"/>
-        <a:font script="Taml" typeface="Latha"/>
-        <a:font script="Syrc" typeface="Estrangelo Edessa"/>
-        <a:font script="Orya" typeface="Kalinga"/>
-        <a:font script="Mlym" typeface="Kartika"/>
-        <a:font script="Laoo" typeface="DokChampa"/>
-        <a:font script="Sinh" typeface="Iskoola Pota"/>
-        <a:font script="Mong" typeface="Mongolian Baiti"/>
-        <a:font script="Viet" typeface="Times New Roman"/>
-        <a:font script="Uigh" typeface="Microsoft Uighur"/>
-        <a:font script="Geor" typeface="Sylfaen"/>
-      </a:majorFont>
-      <a:minorFont>
-        <a:latin typeface="Calibri" panose="020F0502020204030204"/>
-        <a:ea typeface=""/>
-        <a:cs typeface=""/>
-        <a:font script="Jpan" typeface="游ゴシック"/>
-        <a:font script="Hang" typeface="맑은 고딕"/>
-        <a:font script="Hans" typeface="等线"/>
-        <a:font script="Hant" typeface="新細明體"/>
-        <a:font script="Arab" typeface="Arial"/>
-        <a:font script="Hebr" typeface="Arial"/>
-        <a:font script="Thai" typeface="Cordia New"/>
+        <a:font script="Arab" typeface="Tahoma"/>
+        <a:font script="Hebr" typeface="Gisha"/>
+        <a:font script="Thai" typeface="DilleniaUPC"/>
         <a:font script="Ethi" typeface="Nyala"/>
         <a:font script="Beng" typeface="Vrinda"/>
         <a:font script="Gujr" typeface="Shruti"/>
@@ -3100,12 +4252,47 @@
         <a:font script="Laoo" typeface="DokChampa"/>
         <a:font script="Sinh" typeface="Iskoola Pota"/>
         <a:font script="Mong" typeface="Mongolian Baiti"/>
-        <a:font script="Viet" typeface="Arial"/>
+        <a:font script="Viet" typeface="Tahoma"/>
+        <a:font script="Uigh" typeface="Microsoft Uighur"/>
+        <a:font script="Geor" typeface="Sylfaen"/>
+      </a:majorFont>
+      <a:minorFont>
+        <a:latin typeface="Corbel" panose="020B0503020204020204"/>
+        <a:ea typeface=""/>
+        <a:cs typeface=""/>
+        <a:font script="Jpan" typeface="ＭＳ ゴシック"/>
+        <a:font script="Hang" typeface="맑은 고딕"/>
+        <a:font script="Hans" typeface="宋体"/>
+        <a:font script="Hant" typeface="新細明體"/>
+        <a:font script="Arab" typeface="Tahoma"/>
+        <a:font script="Hebr" typeface="Gisha"/>
+        <a:font script="Thai" typeface="DilleniaUPC"/>
+        <a:font script="Ethi" typeface="Nyala"/>
+        <a:font script="Beng" typeface="Vrinda"/>
+        <a:font script="Gujr" typeface="Shruti"/>
+        <a:font script="Khmr" typeface="DaunPenh"/>
+        <a:font script="Knda" typeface="Tunga"/>
+        <a:font script="Guru" typeface="Raavi"/>
+        <a:font script="Cans" typeface="Euphemia"/>
+        <a:font script="Cher" typeface="Plantagenet Cherokee"/>
+        <a:font script="Yiii" typeface="Microsoft Yi Baiti"/>
+        <a:font script="Tibt" typeface="Microsoft Himalaya"/>
+        <a:font script="Thaa" typeface="MV Boli"/>
+        <a:font script="Deva" typeface="Mangal"/>
+        <a:font script="Telu" typeface="Gautami"/>
+        <a:font script="Taml" typeface="Latha"/>
+        <a:font script="Syrc" typeface="Estrangelo Edessa"/>
+        <a:font script="Orya" typeface="Kalinga"/>
+        <a:font script="Mlym" typeface="Kartika"/>
+        <a:font script="Laoo" typeface="DokChampa"/>
+        <a:font script="Sinh" typeface="Iskoola Pota"/>
+        <a:font script="Mong" typeface="Mongolian Baiti"/>
+        <a:font script="Viet" typeface="Verdana"/>
         <a:font script="Uigh" typeface="Microsoft Uighur"/>
         <a:font script="Geor" typeface="Sylfaen"/>
       </a:minorFont>
     </a:fontScheme>
-    <a:fmtScheme name="ธีมของ Office">
+    <a:fmtScheme name="เป็นแถบสี">
       <a:fillStyleLst>
         <a:solidFill>
           <a:schemeClr val="phClr"/>
@@ -3114,23 +4301,23 @@
           <a:gsLst>
             <a:gs pos="0">
               <a:schemeClr val="phClr">
-                <a:lumMod val="110000"/>
-                <a:satMod val="105000"/>
-                <a:tint val="67000"/>
+                <a:tint val="65000"/>
+                <a:satMod val="120000"/>
+                <a:lumMod val="107000"/>
               </a:schemeClr>
             </a:gs>
             <a:gs pos="50000">
               <a:schemeClr val="phClr">
-                <a:lumMod val="105000"/>
-                <a:satMod val="103000"/>
-                <a:tint val="73000"/>
+                <a:tint val="70000"/>
+                <a:satMod val="124000"/>
+                <a:lumMod val="103000"/>
               </a:schemeClr>
             </a:gs>
             <a:gs pos="100000">
               <a:schemeClr val="phClr">
-                <a:lumMod val="105000"/>
-                <a:satMod val="109000"/>
-                <a:tint val="81000"/>
+                <a:tint val="85000"/>
+                <a:satMod val="120000"/>
+                <a:lumMod val="100000"/>
               </a:schemeClr>
             </a:gs>
           </a:gsLst>
@@ -3140,23 +4327,24 @@
           <a:gsLst>
             <a:gs pos="0">
               <a:schemeClr val="phClr">
-                <a:satMod val="103000"/>
-                <a:lumMod val="102000"/>
-                <a:tint val="94000"/>
+                <a:tint val="85000"/>
+                <a:shade val="98000"/>
+                <a:satMod val="110000"/>
+                <a:lumMod val="103000"/>
               </a:schemeClr>
             </a:gs>
             <a:gs pos="50000">
               <a:schemeClr val="phClr">
-                <a:satMod val="110000"/>
+                <a:shade val="85000"/>
+                <a:satMod val="105000"/>
                 <a:lumMod val="100000"/>
-                <a:shade val="100000"/>
               </a:schemeClr>
             </a:gs>
             <a:gs pos="100000">
               <a:schemeClr val="phClr">
-                <a:lumMod val="99000"/>
+                <a:shade val="60000"/>
                 <a:satMod val="120000"/>
-                <a:shade val="78000"/>
+                <a:lumMod val="100000"/>
               </a:schemeClr>
             </a:gs>
           </a:gsLst>
@@ -3164,26 +4352,23 @@
         </a:gradFill>
       </a:fillStyleLst>
       <a:lnStyleLst>
-        <a:ln w="6350" cap="flat" cmpd="sng" algn="ctr">
+        <a:ln w="9525" cap="flat" cmpd="sng" algn="ctr">
           <a:solidFill>
             <a:schemeClr val="phClr"/>
           </a:solidFill>
           <a:prstDash val="solid"/>
-          <a:miter lim="800000"/>
         </a:ln>
         <a:ln w="12700" cap="flat" cmpd="sng" algn="ctr">
           <a:solidFill>
             <a:schemeClr val="phClr"/>
           </a:solidFill>
           <a:prstDash val="solid"/>
-          <a:miter lim="800000"/>
         </a:ln>
-        <a:ln w="19050" cap="flat" cmpd="sng" algn="ctr">
+        <a:ln w="25400" cap="flat" cmpd="sng" algn="ctr">
           <a:solidFill>
             <a:schemeClr val="phClr"/>
           </a:solidFill>
           <a:prstDash val="solid"/>
-          <a:miter lim="800000"/>
         </a:ln>
       </a:lnStyleLst>
       <a:effectStyleLst>
@@ -3191,11 +4376,17 @@
           <a:effectLst/>
         </a:effectStyle>
         <a:effectStyle>
-          <a:effectLst/>
+          <a:effectLst>
+            <a:outerShdw blurRad="50800" dist="15875" dir="5400000" algn="ctr" rotWithShape="0">
+              <a:srgbClr val="000000">
+                <a:alpha val="68000"/>
+              </a:srgbClr>
+            </a:outerShdw>
+          </a:effectLst>
         </a:effectStyle>
         <a:effectStyle>
           <a:effectLst>
-            <a:outerShdw blurRad="57150" dist="19050" dir="5400000" algn="ctr" rotWithShape="0">
+            <a:outerShdw blurRad="88900" dist="27940" dir="5400000" algn="ctr" rotWithShape="0">
               <a:srgbClr val="000000">
                 <a:alpha val="63000"/>
               </a:srgbClr>
@@ -3207,34 +4398,34 @@
         <a:solidFill>
           <a:schemeClr val="phClr"/>
         </a:solidFill>
-        <a:solidFill>
-          <a:schemeClr val="phClr">
-            <a:tint val="95000"/>
-            <a:satMod val="170000"/>
-          </a:schemeClr>
-        </a:solidFill>
+        <a:blipFill rotWithShape="1">
+          <a:blip xmlns:r="http://schemas.openxmlformats.org/officeDocument/2006/relationships" r:embed="rId1">
+            <a:duotone>
+              <a:schemeClr val="phClr">
+                <a:tint val="98000"/>
+              </a:schemeClr>
+              <a:schemeClr val="phClr">
+                <a:tint val="99000"/>
+                <a:shade val="96000"/>
+                <a:satMod val="105000"/>
+              </a:schemeClr>
+            </a:duotone>
+          </a:blip>
+          <a:tile tx="0" ty="0" sx="100000" sy="100000" flip="none" algn="tl"/>
+        </a:blipFill>
         <a:gradFill rotWithShape="1">
           <a:gsLst>
             <a:gs pos="0">
               <a:schemeClr val="phClr">
-                <a:tint val="93000"/>
-                <a:satMod val="150000"/>
-                <a:shade val="98000"/>
-                <a:lumMod val="102000"/>
-              </a:schemeClr>
-            </a:gs>
-            <a:gs pos="50000">
-              <a:schemeClr val="phClr">
-                <a:tint val="98000"/>
-                <a:satMod val="130000"/>
-                <a:shade val="90000"/>
-                <a:lumMod val="103000"/>
+                <a:tint val="100000"/>
+                <a:shade val="0"/>
+                <a:satMod val="100000"/>
               </a:schemeClr>
             </a:gs>
             <a:gs pos="100000">
               <a:schemeClr val="phClr">
-                <a:shade val="63000"/>
-                <a:satMod val="120000"/>
+                <a:shade val="100000"/>
+                <a:satMod val="100000"/>
               </a:schemeClr>
             </a:gs>
           </a:gsLst>
@@ -3247,7 +4438,7 @@
   <a:extraClrSchemeLst/>
   <a:extLst>
     <a:ext uri="{05A4C25C-085E-4340-85A3-A5531E510DB2}">
-      <thm15:themeFamily xmlns:thm15="http://schemas.microsoft.com/office/thememl/2012/main" name="Office Theme" id="{62F939B6-93AF-4DB8-9C6B-D6C7DFDC589F}" vid="{4A3C46E8-61CC-4603-A589-7422A47A8E4A}"/>
+      <thm15:themeFamily xmlns:thm15="http://schemas.microsoft.com/office/thememl/2012/main" name="Banded" id="{98DFF888-2449-4D28-977C-6306C017633E}" vid="{C3935CB6-B0E3-44A7-AB37-996D901F73AB}"/>
     </a:ext>
   </a:extLst>
 </a:theme>
